--- a/Slides/Session 3.pptx
+++ b/Slides/Session 3.pptx
@@ -5,35 +5,36 @@
     <p:sldMasterId id="2147483658" r:id="rId1"/>
   </p:sldMasterIdLst>
   <p:notesMasterIdLst>
-    <p:notesMasterId r:id="rId13"/>
+    <p:notesMasterId r:id="rId14"/>
   </p:notesMasterIdLst>
   <p:sldIdLst>
     <p:sldId id="256" r:id="rId2"/>
     <p:sldId id="284" r:id="rId3"/>
     <p:sldId id="321" r:id="rId4"/>
-    <p:sldId id="329" r:id="rId5"/>
-    <p:sldId id="322" r:id="rId6"/>
-    <p:sldId id="324" r:id="rId7"/>
-    <p:sldId id="323" r:id="rId8"/>
-    <p:sldId id="328" r:id="rId9"/>
-    <p:sldId id="318" r:id="rId10"/>
-    <p:sldId id="279" r:id="rId11"/>
-    <p:sldId id="320" r:id="rId12"/>
+    <p:sldId id="330" r:id="rId5"/>
+    <p:sldId id="329" r:id="rId6"/>
+    <p:sldId id="322" r:id="rId7"/>
+    <p:sldId id="324" r:id="rId8"/>
+    <p:sldId id="323" r:id="rId9"/>
+    <p:sldId id="328" r:id="rId10"/>
+    <p:sldId id="318" r:id="rId11"/>
+    <p:sldId id="279" r:id="rId12"/>
+    <p:sldId id="320" r:id="rId13"/>
   </p:sldIdLst>
   <p:sldSz cx="9144000" cy="5143500" type="screen16x9"/>
   <p:notesSz cx="6858000" cy="9144000"/>
   <p:embeddedFontLst>
     <p:embeddedFont>
-      <p:font typeface="Calibri" panose="020F0502020204030204" pitchFamily="34" charset="0"/>
-      <p:regular r:id="rId14"/>
-      <p:bold r:id="rId15"/>
-      <p:italic r:id="rId16"/>
-      <p:boldItalic r:id="rId17"/>
+      <p:font typeface="Hind" charset="0"/>
+      <p:regular r:id="rId15"/>
+      <p:bold r:id="rId16"/>
     </p:embeddedFont>
     <p:embeddedFont>
-      <p:font typeface="Hind" panose="020B0604020202020204" charset="0"/>
-      <p:regular r:id="rId18"/>
-      <p:bold r:id="rId19"/>
+      <p:font typeface="Calibri" pitchFamily="34" charset="0"/>
+      <p:regular r:id="rId17"/>
+      <p:bold r:id="rId18"/>
+      <p:italic r:id="rId19"/>
+      <p:boldItalic r:id="rId20"/>
     </p:embeddedFont>
   </p:embeddedFontLst>
   <p:defaultTextStyle>
@@ -240,7 +241,7 @@
   </p:defaultTextStyle>
   <p:extLst>
     <p:ext uri="{EFAFB233-063F-42B5-8137-9DF3F51BA10A}">
-      <p15:sldGuideLst xmlns:p15="http://schemas.microsoft.com/office/powerpoint/2012/main">
+      <p15:sldGuideLst xmlns:p15="http://schemas.microsoft.com/office/powerpoint/2012/main" xmlns="">
         <p15:guide id="1" orient="horz" pos="1620">
           <p15:clr>
             <a:srgbClr val="A4A3A4"/>
@@ -255,6 +256,3174 @@
     </p:ext>
   </p:extLst>
 </p:presentation>
+</file>
+
+<file path=ppt/diagrams/colors1.xml><?xml version="1.0" encoding="utf-8"?>
+<dgm:colorsDef xmlns:dgm="http://schemas.openxmlformats.org/drawingml/2006/diagram" xmlns:a="http://schemas.openxmlformats.org/drawingml/2006/main" uniqueId="urn:microsoft.com/office/officeart/2005/8/colors/accent1_2">
+  <dgm:title val=""/>
+  <dgm:desc val=""/>
+  <dgm:catLst>
+    <dgm:cat type="accent1" pri="11200"/>
+  </dgm:catLst>
+  <dgm:styleLbl name="node0">
+    <dgm:fillClrLst meth="repeat">
+      <a:schemeClr val="accent1"/>
+    </dgm:fillClrLst>
+    <dgm:linClrLst meth="repeat">
+      <a:schemeClr val="lt1"/>
+    </dgm:linClrLst>
+    <dgm:effectClrLst/>
+    <dgm:txLinClrLst/>
+    <dgm:txFillClrLst/>
+    <dgm:txEffectClrLst/>
+  </dgm:styleLbl>
+  <dgm:styleLbl name="alignNode1">
+    <dgm:fillClrLst meth="repeat">
+      <a:schemeClr val="accent1"/>
+    </dgm:fillClrLst>
+    <dgm:linClrLst meth="repeat">
+      <a:schemeClr val="accent1"/>
+    </dgm:linClrLst>
+    <dgm:effectClrLst/>
+    <dgm:txLinClrLst/>
+    <dgm:txFillClrLst/>
+    <dgm:txEffectClrLst/>
+  </dgm:styleLbl>
+  <dgm:styleLbl name="node1">
+    <dgm:fillClrLst meth="repeat">
+      <a:schemeClr val="accent1"/>
+    </dgm:fillClrLst>
+    <dgm:linClrLst meth="repeat">
+      <a:schemeClr val="lt1"/>
+    </dgm:linClrLst>
+    <dgm:effectClrLst/>
+    <dgm:txLinClrLst/>
+    <dgm:txFillClrLst/>
+    <dgm:txEffectClrLst/>
+  </dgm:styleLbl>
+  <dgm:styleLbl name="lnNode1">
+    <dgm:fillClrLst meth="repeat">
+      <a:schemeClr val="accent1"/>
+    </dgm:fillClrLst>
+    <dgm:linClrLst meth="repeat">
+      <a:schemeClr val="lt1"/>
+    </dgm:linClrLst>
+    <dgm:effectClrLst/>
+    <dgm:txLinClrLst/>
+    <dgm:txFillClrLst/>
+    <dgm:txEffectClrLst/>
+  </dgm:styleLbl>
+  <dgm:styleLbl name="vennNode1">
+    <dgm:fillClrLst meth="repeat">
+      <a:schemeClr val="accent1">
+        <a:alpha val="50000"/>
+      </a:schemeClr>
+    </dgm:fillClrLst>
+    <dgm:linClrLst meth="repeat">
+      <a:schemeClr val="lt1"/>
+    </dgm:linClrLst>
+    <dgm:effectClrLst/>
+    <dgm:txLinClrLst/>
+    <dgm:txFillClrLst/>
+    <dgm:txEffectClrLst/>
+  </dgm:styleLbl>
+  <dgm:styleLbl name="node2">
+    <dgm:fillClrLst meth="repeat">
+      <a:schemeClr val="accent1"/>
+    </dgm:fillClrLst>
+    <dgm:linClrLst meth="repeat">
+      <a:schemeClr val="lt1"/>
+    </dgm:linClrLst>
+    <dgm:effectClrLst/>
+    <dgm:txLinClrLst/>
+    <dgm:txFillClrLst/>
+    <dgm:txEffectClrLst/>
+  </dgm:styleLbl>
+  <dgm:styleLbl name="node3">
+    <dgm:fillClrLst meth="repeat">
+      <a:schemeClr val="accent1"/>
+    </dgm:fillClrLst>
+    <dgm:linClrLst meth="repeat">
+      <a:schemeClr val="lt1"/>
+    </dgm:linClrLst>
+    <dgm:effectClrLst/>
+    <dgm:txLinClrLst/>
+    <dgm:txFillClrLst/>
+    <dgm:txEffectClrLst/>
+  </dgm:styleLbl>
+  <dgm:styleLbl name="node4">
+    <dgm:fillClrLst meth="repeat">
+      <a:schemeClr val="accent1"/>
+    </dgm:fillClrLst>
+    <dgm:linClrLst meth="repeat">
+      <a:schemeClr val="lt1"/>
+    </dgm:linClrLst>
+    <dgm:effectClrLst/>
+    <dgm:txLinClrLst/>
+    <dgm:txFillClrLst/>
+    <dgm:txEffectClrLst/>
+  </dgm:styleLbl>
+  <dgm:styleLbl name="fgImgPlace1">
+    <dgm:fillClrLst meth="repeat">
+      <a:schemeClr val="accent1">
+        <a:tint val="50000"/>
+      </a:schemeClr>
+    </dgm:fillClrLst>
+    <dgm:linClrLst meth="repeat">
+      <a:schemeClr val="lt1"/>
+    </dgm:linClrLst>
+    <dgm:effectClrLst/>
+    <dgm:txLinClrLst/>
+    <dgm:txFillClrLst meth="repeat">
+      <a:schemeClr val="lt1"/>
+    </dgm:txFillClrLst>
+    <dgm:txEffectClrLst/>
+  </dgm:styleLbl>
+  <dgm:styleLbl name="alignImgPlace1">
+    <dgm:fillClrLst meth="repeat">
+      <a:schemeClr val="accent1">
+        <a:tint val="50000"/>
+      </a:schemeClr>
+    </dgm:fillClrLst>
+    <dgm:linClrLst meth="repeat">
+      <a:schemeClr val="lt1"/>
+    </dgm:linClrLst>
+    <dgm:effectClrLst/>
+    <dgm:txLinClrLst/>
+    <dgm:txFillClrLst meth="repeat">
+      <a:schemeClr val="lt1"/>
+    </dgm:txFillClrLst>
+    <dgm:txEffectClrLst/>
+  </dgm:styleLbl>
+  <dgm:styleLbl name="bgImgPlace1">
+    <dgm:fillClrLst meth="repeat">
+      <a:schemeClr val="accent1">
+        <a:tint val="50000"/>
+      </a:schemeClr>
+    </dgm:fillClrLst>
+    <dgm:linClrLst meth="repeat">
+      <a:schemeClr val="lt1"/>
+    </dgm:linClrLst>
+    <dgm:effectClrLst/>
+    <dgm:txLinClrLst/>
+    <dgm:txFillClrLst meth="repeat">
+      <a:schemeClr val="lt1"/>
+    </dgm:txFillClrLst>
+    <dgm:txEffectClrLst/>
+  </dgm:styleLbl>
+  <dgm:styleLbl name="sibTrans2D1">
+    <dgm:fillClrLst meth="repeat">
+      <a:schemeClr val="accent1">
+        <a:tint val="60000"/>
+      </a:schemeClr>
+    </dgm:fillClrLst>
+    <dgm:linClrLst meth="repeat">
+      <a:schemeClr val="accent1">
+        <a:tint val="60000"/>
+      </a:schemeClr>
+    </dgm:linClrLst>
+    <dgm:effectClrLst/>
+    <dgm:txLinClrLst/>
+    <dgm:txFillClrLst/>
+    <dgm:txEffectClrLst/>
+  </dgm:styleLbl>
+  <dgm:styleLbl name="fgSibTrans2D1">
+    <dgm:fillClrLst meth="repeat">
+      <a:schemeClr val="accent1">
+        <a:tint val="60000"/>
+      </a:schemeClr>
+    </dgm:fillClrLst>
+    <dgm:linClrLst meth="repeat">
+      <a:schemeClr val="accent1">
+        <a:tint val="60000"/>
+      </a:schemeClr>
+    </dgm:linClrLst>
+    <dgm:effectClrLst/>
+    <dgm:txLinClrLst/>
+    <dgm:txFillClrLst/>
+    <dgm:txEffectClrLst/>
+  </dgm:styleLbl>
+  <dgm:styleLbl name="bgSibTrans2D1">
+    <dgm:fillClrLst meth="repeat">
+      <a:schemeClr val="accent1">
+        <a:tint val="60000"/>
+      </a:schemeClr>
+    </dgm:fillClrLst>
+    <dgm:linClrLst meth="repeat">
+      <a:schemeClr val="accent1">
+        <a:tint val="60000"/>
+      </a:schemeClr>
+    </dgm:linClrLst>
+    <dgm:effectClrLst/>
+    <dgm:txLinClrLst/>
+    <dgm:txFillClrLst/>
+    <dgm:txEffectClrLst/>
+  </dgm:styleLbl>
+  <dgm:styleLbl name="sibTrans1D1">
+    <dgm:fillClrLst meth="repeat">
+      <a:schemeClr val="accent1"/>
+    </dgm:fillClrLst>
+    <dgm:linClrLst meth="repeat">
+      <a:schemeClr val="accent1"/>
+    </dgm:linClrLst>
+    <dgm:effectClrLst/>
+    <dgm:txLinClrLst/>
+    <dgm:txFillClrLst meth="repeat">
+      <a:schemeClr val="tx1"/>
+    </dgm:txFillClrLst>
+    <dgm:txEffectClrLst/>
+  </dgm:styleLbl>
+  <dgm:styleLbl name="callout">
+    <dgm:fillClrLst meth="repeat">
+      <a:schemeClr val="accent1"/>
+    </dgm:fillClrLst>
+    <dgm:linClrLst meth="repeat">
+      <a:schemeClr val="accent1">
+        <a:tint val="50000"/>
+      </a:schemeClr>
+    </dgm:linClrLst>
+    <dgm:effectClrLst/>
+    <dgm:txLinClrLst/>
+    <dgm:txFillClrLst meth="repeat">
+      <a:schemeClr val="tx1"/>
+    </dgm:txFillClrLst>
+    <dgm:txEffectClrLst/>
+  </dgm:styleLbl>
+  <dgm:styleLbl name="asst0">
+    <dgm:fillClrLst meth="repeat">
+      <a:schemeClr val="accent1"/>
+    </dgm:fillClrLst>
+    <dgm:linClrLst meth="repeat">
+      <a:schemeClr val="lt1"/>
+    </dgm:linClrLst>
+    <dgm:effectClrLst/>
+    <dgm:txLinClrLst/>
+    <dgm:txFillClrLst/>
+    <dgm:txEffectClrLst/>
+  </dgm:styleLbl>
+  <dgm:styleLbl name="asst1">
+    <dgm:fillClrLst meth="repeat">
+      <a:schemeClr val="accent1"/>
+    </dgm:fillClrLst>
+    <dgm:linClrLst meth="repeat">
+      <a:schemeClr val="lt1"/>
+    </dgm:linClrLst>
+    <dgm:effectClrLst/>
+    <dgm:txLinClrLst/>
+    <dgm:txFillClrLst/>
+    <dgm:txEffectClrLst/>
+  </dgm:styleLbl>
+  <dgm:styleLbl name="asst2">
+    <dgm:fillClrLst meth="repeat">
+      <a:schemeClr val="accent1"/>
+    </dgm:fillClrLst>
+    <dgm:linClrLst meth="repeat">
+      <a:schemeClr val="lt1"/>
+    </dgm:linClrLst>
+    <dgm:effectClrLst/>
+    <dgm:txLinClrLst/>
+    <dgm:txFillClrLst/>
+    <dgm:txEffectClrLst/>
+  </dgm:styleLbl>
+  <dgm:styleLbl name="asst3">
+    <dgm:fillClrLst meth="repeat">
+      <a:schemeClr val="accent1"/>
+    </dgm:fillClrLst>
+    <dgm:linClrLst meth="repeat">
+      <a:schemeClr val="lt1"/>
+    </dgm:linClrLst>
+    <dgm:effectClrLst/>
+    <dgm:txLinClrLst/>
+    <dgm:txFillClrLst/>
+    <dgm:txEffectClrLst/>
+  </dgm:styleLbl>
+  <dgm:styleLbl name="asst4">
+    <dgm:fillClrLst meth="repeat">
+      <a:schemeClr val="accent1"/>
+    </dgm:fillClrLst>
+    <dgm:linClrLst meth="repeat">
+      <a:schemeClr val="lt1"/>
+    </dgm:linClrLst>
+    <dgm:effectClrLst/>
+    <dgm:txLinClrLst/>
+    <dgm:txFillClrLst/>
+    <dgm:txEffectClrLst/>
+  </dgm:styleLbl>
+  <dgm:styleLbl name="parChTrans2D1">
+    <dgm:fillClrLst meth="repeat">
+      <a:schemeClr val="accent1">
+        <a:tint val="60000"/>
+      </a:schemeClr>
+    </dgm:fillClrLst>
+    <dgm:linClrLst meth="repeat">
+      <a:schemeClr val="accent1">
+        <a:tint val="60000"/>
+      </a:schemeClr>
+    </dgm:linClrLst>
+    <dgm:effectClrLst/>
+    <dgm:txLinClrLst/>
+    <dgm:txFillClrLst meth="repeat">
+      <a:schemeClr val="lt1"/>
+    </dgm:txFillClrLst>
+    <dgm:txEffectClrLst/>
+  </dgm:styleLbl>
+  <dgm:styleLbl name="parChTrans2D2">
+    <dgm:fillClrLst meth="repeat">
+      <a:schemeClr val="accent1"/>
+    </dgm:fillClrLst>
+    <dgm:linClrLst meth="repeat">
+      <a:schemeClr val="accent1"/>
+    </dgm:linClrLst>
+    <dgm:effectClrLst/>
+    <dgm:txLinClrLst/>
+    <dgm:txFillClrLst meth="repeat">
+      <a:schemeClr val="lt1"/>
+    </dgm:txFillClrLst>
+    <dgm:txEffectClrLst/>
+  </dgm:styleLbl>
+  <dgm:styleLbl name="parChTrans2D3">
+    <dgm:fillClrLst meth="repeat">
+      <a:schemeClr val="accent1"/>
+    </dgm:fillClrLst>
+    <dgm:linClrLst meth="repeat">
+      <a:schemeClr val="accent1"/>
+    </dgm:linClrLst>
+    <dgm:effectClrLst/>
+    <dgm:txLinClrLst/>
+    <dgm:txFillClrLst meth="repeat">
+      <a:schemeClr val="lt1"/>
+    </dgm:txFillClrLst>
+    <dgm:txEffectClrLst/>
+  </dgm:styleLbl>
+  <dgm:styleLbl name="parChTrans2D4">
+    <dgm:fillClrLst meth="repeat">
+      <a:schemeClr val="accent1"/>
+    </dgm:fillClrLst>
+    <dgm:linClrLst meth="repeat">
+      <a:schemeClr val="accent1"/>
+    </dgm:linClrLst>
+    <dgm:effectClrLst/>
+    <dgm:txLinClrLst/>
+    <dgm:txFillClrLst meth="repeat">
+      <a:schemeClr val="lt1"/>
+    </dgm:txFillClrLst>
+    <dgm:txEffectClrLst/>
+  </dgm:styleLbl>
+  <dgm:styleLbl name="parChTrans1D1">
+    <dgm:fillClrLst meth="repeat">
+      <a:schemeClr val="accent1"/>
+    </dgm:fillClrLst>
+    <dgm:linClrLst meth="repeat">
+      <a:schemeClr val="accent1">
+        <a:shade val="60000"/>
+      </a:schemeClr>
+    </dgm:linClrLst>
+    <dgm:effectClrLst/>
+    <dgm:txLinClrLst/>
+    <dgm:txFillClrLst meth="repeat">
+      <a:schemeClr val="tx1"/>
+    </dgm:txFillClrLst>
+    <dgm:txEffectClrLst/>
+  </dgm:styleLbl>
+  <dgm:styleLbl name="parChTrans1D2">
+    <dgm:fillClrLst meth="repeat">
+      <a:schemeClr val="accent1"/>
+    </dgm:fillClrLst>
+    <dgm:linClrLst meth="repeat">
+      <a:schemeClr val="accent1">
+        <a:shade val="60000"/>
+      </a:schemeClr>
+    </dgm:linClrLst>
+    <dgm:effectClrLst/>
+    <dgm:txLinClrLst/>
+    <dgm:txFillClrLst meth="repeat">
+      <a:schemeClr val="tx1"/>
+    </dgm:txFillClrLst>
+    <dgm:txEffectClrLst/>
+  </dgm:styleLbl>
+  <dgm:styleLbl name="parChTrans1D3">
+    <dgm:fillClrLst meth="repeat">
+      <a:schemeClr val="accent1"/>
+    </dgm:fillClrLst>
+    <dgm:linClrLst meth="repeat">
+      <a:schemeClr val="accent1">
+        <a:shade val="80000"/>
+      </a:schemeClr>
+    </dgm:linClrLst>
+    <dgm:effectClrLst/>
+    <dgm:txLinClrLst/>
+    <dgm:txFillClrLst meth="repeat">
+      <a:schemeClr val="tx1"/>
+    </dgm:txFillClrLst>
+    <dgm:txEffectClrLst/>
+  </dgm:styleLbl>
+  <dgm:styleLbl name="parChTrans1D4">
+    <dgm:fillClrLst meth="repeat">
+      <a:schemeClr val="accent1"/>
+    </dgm:fillClrLst>
+    <dgm:linClrLst meth="repeat">
+      <a:schemeClr val="accent1">
+        <a:shade val="80000"/>
+      </a:schemeClr>
+    </dgm:linClrLst>
+    <dgm:effectClrLst/>
+    <dgm:txLinClrLst/>
+    <dgm:txFillClrLst meth="repeat">
+      <a:schemeClr val="tx1"/>
+    </dgm:txFillClrLst>
+    <dgm:txEffectClrLst/>
+  </dgm:styleLbl>
+  <dgm:styleLbl name="fgAcc1">
+    <dgm:fillClrLst meth="repeat">
+      <a:schemeClr val="lt1">
+        <a:alpha val="90000"/>
+      </a:schemeClr>
+    </dgm:fillClrLst>
+    <dgm:linClrLst meth="repeat">
+      <a:schemeClr val="accent1"/>
+    </dgm:linClrLst>
+    <dgm:effectClrLst/>
+    <dgm:txLinClrLst/>
+    <dgm:txFillClrLst meth="repeat">
+      <a:schemeClr val="dk1"/>
+    </dgm:txFillClrLst>
+    <dgm:txEffectClrLst/>
+  </dgm:styleLbl>
+  <dgm:styleLbl name="conFgAcc1">
+    <dgm:fillClrLst meth="repeat">
+      <a:schemeClr val="lt1">
+        <a:alpha val="90000"/>
+      </a:schemeClr>
+    </dgm:fillClrLst>
+    <dgm:linClrLst meth="repeat">
+      <a:schemeClr val="accent1"/>
+    </dgm:linClrLst>
+    <dgm:effectClrLst/>
+    <dgm:txLinClrLst/>
+    <dgm:txFillClrLst meth="repeat">
+      <a:schemeClr val="dk1"/>
+    </dgm:txFillClrLst>
+    <dgm:txEffectClrLst/>
+  </dgm:styleLbl>
+  <dgm:styleLbl name="alignAcc1">
+    <dgm:fillClrLst meth="repeat">
+      <a:schemeClr val="lt1">
+        <a:alpha val="90000"/>
+      </a:schemeClr>
+    </dgm:fillClrLst>
+    <dgm:linClrLst meth="repeat">
+      <a:schemeClr val="accent1"/>
+    </dgm:linClrLst>
+    <dgm:effectClrLst/>
+    <dgm:txLinClrLst/>
+    <dgm:txFillClrLst meth="repeat">
+      <a:schemeClr val="dk1"/>
+    </dgm:txFillClrLst>
+    <dgm:txEffectClrLst/>
+  </dgm:styleLbl>
+  <dgm:styleLbl name="trAlignAcc1">
+    <dgm:fillClrLst meth="repeat">
+      <a:schemeClr val="lt1">
+        <a:alpha val="40000"/>
+      </a:schemeClr>
+    </dgm:fillClrLst>
+    <dgm:linClrLst meth="repeat">
+      <a:schemeClr val="accent1"/>
+    </dgm:linClrLst>
+    <dgm:effectClrLst/>
+    <dgm:txLinClrLst/>
+    <dgm:txFillClrLst meth="repeat">
+      <a:schemeClr val="dk1"/>
+    </dgm:txFillClrLst>
+    <dgm:txEffectClrLst/>
+  </dgm:styleLbl>
+  <dgm:styleLbl name="bgAcc1">
+    <dgm:fillClrLst meth="repeat">
+      <a:schemeClr val="lt1">
+        <a:alpha val="90000"/>
+      </a:schemeClr>
+    </dgm:fillClrLst>
+    <dgm:linClrLst meth="repeat">
+      <a:schemeClr val="accent1"/>
+    </dgm:linClrLst>
+    <dgm:effectClrLst/>
+    <dgm:txLinClrLst/>
+    <dgm:txFillClrLst meth="repeat">
+      <a:schemeClr val="dk1"/>
+    </dgm:txFillClrLst>
+    <dgm:txEffectClrLst/>
+  </dgm:styleLbl>
+  <dgm:styleLbl name="solidFgAcc1">
+    <dgm:fillClrLst meth="repeat">
+      <a:schemeClr val="lt1"/>
+    </dgm:fillClrLst>
+    <dgm:linClrLst meth="repeat">
+      <a:schemeClr val="accent1"/>
+    </dgm:linClrLst>
+    <dgm:effectClrLst/>
+    <dgm:txLinClrLst/>
+    <dgm:txFillClrLst meth="repeat">
+      <a:schemeClr val="dk1"/>
+    </dgm:txFillClrLst>
+    <dgm:txEffectClrLst/>
+  </dgm:styleLbl>
+  <dgm:styleLbl name="solidAlignAcc1">
+    <dgm:fillClrLst meth="repeat">
+      <a:schemeClr val="lt1"/>
+    </dgm:fillClrLst>
+    <dgm:linClrLst meth="repeat">
+      <a:schemeClr val="accent1"/>
+    </dgm:linClrLst>
+    <dgm:effectClrLst/>
+    <dgm:txLinClrLst/>
+    <dgm:txFillClrLst meth="repeat">
+      <a:schemeClr val="dk1"/>
+    </dgm:txFillClrLst>
+    <dgm:txEffectClrLst/>
+  </dgm:styleLbl>
+  <dgm:styleLbl name="solidBgAcc1">
+    <dgm:fillClrLst meth="repeat">
+      <a:schemeClr val="lt1"/>
+    </dgm:fillClrLst>
+    <dgm:linClrLst meth="repeat">
+      <a:schemeClr val="accent1"/>
+    </dgm:linClrLst>
+    <dgm:effectClrLst/>
+    <dgm:txLinClrLst/>
+    <dgm:txFillClrLst meth="repeat">
+      <a:schemeClr val="dk1"/>
+    </dgm:txFillClrLst>
+    <dgm:txEffectClrLst/>
+  </dgm:styleLbl>
+  <dgm:styleLbl name="fgAccFollowNode1">
+    <dgm:fillClrLst meth="repeat">
+      <a:schemeClr val="accent1">
+        <a:alpha val="90000"/>
+        <a:tint val="40000"/>
+      </a:schemeClr>
+    </dgm:fillClrLst>
+    <dgm:linClrLst meth="repeat">
+      <a:schemeClr val="accent1">
+        <a:alpha val="90000"/>
+        <a:tint val="40000"/>
+      </a:schemeClr>
+    </dgm:linClrLst>
+    <dgm:effectClrLst/>
+    <dgm:txLinClrLst/>
+    <dgm:txFillClrLst meth="repeat">
+      <a:schemeClr val="dk1"/>
+    </dgm:txFillClrLst>
+    <dgm:txEffectClrLst/>
+  </dgm:styleLbl>
+  <dgm:styleLbl name="alignAccFollowNode1">
+    <dgm:fillClrLst meth="repeat">
+      <a:schemeClr val="accent1">
+        <a:alpha val="90000"/>
+        <a:tint val="40000"/>
+      </a:schemeClr>
+    </dgm:fillClrLst>
+    <dgm:linClrLst meth="repeat">
+      <a:schemeClr val="accent1">
+        <a:alpha val="90000"/>
+        <a:tint val="40000"/>
+      </a:schemeClr>
+    </dgm:linClrLst>
+    <dgm:effectClrLst/>
+    <dgm:txLinClrLst/>
+    <dgm:txFillClrLst meth="repeat">
+      <a:schemeClr val="dk1"/>
+    </dgm:txFillClrLst>
+    <dgm:txEffectClrLst/>
+  </dgm:styleLbl>
+  <dgm:styleLbl name="bgAccFollowNode1">
+    <dgm:fillClrLst meth="repeat">
+      <a:schemeClr val="accent1">
+        <a:alpha val="90000"/>
+        <a:tint val="40000"/>
+      </a:schemeClr>
+    </dgm:fillClrLst>
+    <dgm:linClrLst meth="repeat">
+      <a:schemeClr val="accent1">
+        <a:alpha val="90000"/>
+        <a:tint val="40000"/>
+      </a:schemeClr>
+    </dgm:linClrLst>
+    <dgm:effectClrLst/>
+    <dgm:txLinClrLst/>
+    <dgm:txFillClrLst meth="repeat">
+      <a:schemeClr val="dk1"/>
+    </dgm:txFillClrLst>
+    <dgm:txEffectClrLst/>
+  </dgm:styleLbl>
+  <dgm:styleLbl name="fgAcc0">
+    <dgm:fillClrLst meth="repeat">
+      <a:schemeClr val="lt1">
+        <a:alpha val="90000"/>
+      </a:schemeClr>
+    </dgm:fillClrLst>
+    <dgm:linClrLst meth="repeat">
+      <a:schemeClr val="accent1"/>
+    </dgm:linClrLst>
+    <dgm:effectClrLst/>
+    <dgm:txLinClrLst/>
+    <dgm:txFillClrLst meth="repeat">
+      <a:schemeClr val="dk1"/>
+    </dgm:txFillClrLst>
+    <dgm:txEffectClrLst/>
+  </dgm:styleLbl>
+  <dgm:styleLbl name="fgAcc2">
+    <dgm:fillClrLst meth="repeat">
+      <a:schemeClr val="lt1">
+        <a:alpha val="90000"/>
+      </a:schemeClr>
+    </dgm:fillClrLst>
+    <dgm:linClrLst meth="repeat">
+      <a:schemeClr val="accent1"/>
+    </dgm:linClrLst>
+    <dgm:effectClrLst/>
+    <dgm:txLinClrLst/>
+    <dgm:txFillClrLst meth="repeat">
+      <a:schemeClr val="dk1"/>
+    </dgm:txFillClrLst>
+    <dgm:txEffectClrLst/>
+  </dgm:styleLbl>
+  <dgm:styleLbl name="fgAcc3">
+    <dgm:fillClrLst meth="repeat">
+      <a:schemeClr val="lt1">
+        <a:alpha val="90000"/>
+      </a:schemeClr>
+    </dgm:fillClrLst>
+    <dgm:linClrLst meth="repeat">
+      <a:schemeClr val="accent1"/>
+    </dgm:linClrLst>
+    <dgm:effectClrLst/>
+    <dgm:txLinClrLst/>
+    <dgm:txFillClrLst meth="repeat">
+      <a:schemeClr val="dk1"/>
+    </dgm:txFillClrLst>
+    <dgm:txEffectClrLst/>
+  </dgm:styleLbl>
+  <dgm:styleLbl name="fgAcc4">
+    <dgm:fillClrLst meth="repeat">
+      <a:schemeClr val="lt1">
+        <a:alpha val="90000"/>
+      </a:schemeClr>
+    </dgm:fillClrLst>
+    <dgm:linClrLst meth="repeat">
+      <a:schemeClr val="accent1"/>
+    </dgm:linClrLst>
+    <dgm:effectClrLst/>
+    <dgm:txLinClrLst/>
+    <dgm:txFillClrLst meth="repeat">
+      <a:schemeClr val="dk1"/>
+    </dgm:txFillClrLst>
+    <dgm:txEffectClrLst/>
+  </dgm:styleLbl>
+  <dgm:styleLbl name="bgShp">
+    <dgm:fillClrLst meth="repeat">
+      <a:schemeClr val="accent1">
+        <a:tint val="40000"/>
+      </a:schemeClr>
+    </dgm:fillClrLst>
+    <dgm:linClrLst meth="repeat">
+      <a:schemeClr val="accent1"/>
+    </dgm:linClrLst>
+    <dgm:effectClrLst/>
+    <dgm:txLinClrLst/>
+    <dgm:txFillClrLst meth="repeat">
+      <a:schemeClr val="dk1"/>
+    </dgm:txFillClrLst>
+    <dgm:txEffectClrLst/>
+  </dgm:styleLbl>
+  <dgm:styleLbl name="dkBgShp">
+    <dgm:fillClrLst meth="repeat">
+      <a:schemeClr val="accent1">
+        <a:shade val="80000"/>
+      </a:schemeClr>
+    </dgm:fillClrLst>
+    <dgm:linClrLst meth="repeat">
+      <a:schemeClr val="accent1"/>
+    </dgm:linClrLst>
+    <dgm:effectClrLst/>
+    <dgm:txLinClrLst/>
+    <dgm:txFillClrLst meth="repeat">
+      <a:schemeClr val="lt1"/>
+    </dgm:txFillClrLst>
+    <dgm:txEffectClrLst/>
+  </dgm:styleLbl>
+  <dgm:styleLbl name="trBgShp">
+    <dgm:fillClrLst meth="repeat">
+      <a:schemeClr val="accent1">
+        <a:tint val="50000"/>
+        <a:alpha val="40000"/>
+      </a:schemeClr>
+    </dgm:fillClrLst>
+    <dgm:linClrLst meth="repeat">
+      <a:schemeClr val="accent1"/>
+    </dgm:linClrLst>
+    <dgm:effectClrLst/>
+    <dgm:txLinClrLst/>
+    <dgm:txFillClrLst meth="repeat">
+      <a:schemeClr val="lt1"/>
+    </dgm:txFillClrLst>
+    <dgm:txEffectClrLst/>
+  </dgm:styleLbl>
+  <dgm:styleLbl name="fgShp">
+    <dgm:fillClrLst meth="repeat">
+      <a:schemeClr val="accent1">
+        <a:tint val="60000"/>
+      </a:schemeClr>
+    </dgm:fillClrLst>
+    <dgm:linClrLst meth="repeat">
+      <a:schemeClr val="lt1"/>
+    </dgm:linClrLst>
+    <dgm:effectClrLst/>
+    <dgm:txLinClrLst/>
+    <dgm:txFillClrLst meth="repeat">
+      <a:schemeClr val="dk1"/>
+    </dgm:txFillClrLst>
+    <dgm:txEffectClrLst/>
+  </dgm:styleLbl>
+  <dgm:styleLbl name="revTx">
+    <dgm:fillClrLst meth="repeat">
+      <a:schemeClr val="lt1">
+        <a:alpha val="0"/>
+      </a:schemeClr>
+    </dgm:fillClrLst>
+    <dgm:linClrLst meth="repeat">
+      <a:schemeClr val="dk1">
+        <a:alpha val="0"/>
+      </a:schemeClr>
+    </dgm:linClrLst>
+    <dgm:effectClrLst/>
+    <dgm:txLinClrLst/>
+    <dgm:txFillClrLst meth="repeat">
+      <a:schemeClr val="tx1"/>
+    </dgm:txFillClrLst>
+    <dgm:txEffectClrLst/>
+  </dgm:styleLbl>
+</dgm:colorsDef>
+</file>
+
+<file path=ppt/diagrams/data1.xml><?xml version="1.0" encoding="utf-8"?>
+<dgm:dataModel xmlns:dgm="http://schemas.openxmlformats.org/drawingml/2006/diagram" xmlns:a="http://schemas.openxmlformats.org/drawingml/2006/main">
+  <dgm:ptLst>
+    <dgm:pt modelId="{42BD5735-BA7E-4739-BD9C-06884E5B6F3A}" type="doc">
+      <dgm:prSet loTypeId="urn:microsoft.com/office/officeart/2009/3/layout/StepUpProcess" loCatId="process" qsTypeId="urn:microsoft.com/office/officeart/2005/8/quickstyle/3d6" qsCatId="3D" csTypeId="urn:microsoft.com/office/officeart/2005/8/colors/accent1_2" csCatId="accent1" phldr="1"/>
+      <dgm:spPr/>
+      <dgm:t>
+        <a:bodyPr/>
+        <a:lstStyle/>
+        <a:p>
+          <a:endParaRPr lang="en-US"/>
+        </a:p>
+      </dgm:t>
+    </dgm:pt>
+    <dgm:pt modelId="{560981F5-DE64-43EA-8E12-E21555E6D2C6}">
+      <dgm:prSet phldrT="[Text]" custT="1"/>
+      <dgm:spPr/>
+      <dgm:t>
+        <a:bodyPr/>
+        <a:lstStyle/>
+        <a:p>
+          <a:r>
+            <a:rPr lang="en-US" sz="2800" dirty="0" smtClean="0">
+              <a:solidFill>
+                <a:schemeClr val="bg1"/>
+              </a:solidFill>
+            </a:rPr>
+            <a:t>Primitive </a:t>
+          </a:r>
+          <a:r>
+            <a:rPr lang="en-US" sz="2800" dirty="0" err="1" smtClean="0">
+              <a:solidFill>
+                <a:schemeClr val="bg1"/>
+              </a:solidFill>
+            </a:rPr>
+            <a:t>si</a:t>
+          </a:r>
+          <a:r>
+            <a:rPr lang="en-US" sz="2800" dirty="0" smtClean="0">
+              <a:solidFill>
+                <a:schemeClr val="bg1"/>
+              </a:solidFill>
+            </a:rPr>
+            <a:t> </a:t>
+          </a:r>
+          <a:r>
+            <a:rPr lang="en-US" sz="2800" dirty="0" err="1" smtClean="0">
+              <a:solidFill>
+                <a:schemeClr val="bg1"/>
+              </a:solidFill>
+            </a:rPr>
+            <a:t>structuri</a:t>
+          </a:r>
+          <a:r>
+            <a:rPr lang="en-US" sz="2800" dirty="0" smtClean="0">
+              <a:solidFill>
+                <a:schemeClr val="bg1"/>
+              </a:solidFill>
+            </a:rPr>
+            <a:t> repetitive + </a:t>
+          </a:r>
+          <a:r>
+            <a:rPr lang="en-US" sz="2800" dirty="0" err="1" smtClean="0">
+              <a:solidFill>
+                <a:schemeClr val="bg1"/>
+              </a:solidFill>
+            </a:rPr>
+            <a:t>conditionale</a:t>
+          </a:r>
+          <a:endParaRPr lang="en-US" sz="2800" dirty="0">
+            <a:solidFill>
+              <a:schemeClr val="bg1"/>
+            </a:solidFill>
+          </a:endParaRPr>
+        </a:p>
+      </dgm:t>
+    </dgm:pt>
+    <dgm:pt modelId="{58E3C20B-6B8F-40FB-A30E-BFB55170009D}" type="parTrans" cxnId="{8430A8D9-F7EA-49C7-BA38-AFE318298D19}">
+      <dgm:prSet/>
+      <dgm:spPr/>
+      <dgm:t>
+        <a:bodyPr/>
+        <a:lstStyle/>
+        <a:p>
+          <a:endParaRPr lang="en-US"/>
+        </a:p>
+      </dgm:t>
+    </dgm:pt>
+    <dgm:pt modelId="{8DE24ABF-B5DC-45A2-BC13-9148A2E7627D}" type="sibTrans" cxnId="{8430A8D9-F7EA-49C7-BA38-AFE318298D19}">
+      <dgm:prSet/>
+      <dgm:spPr/>
+      <dgm:t>
+        <a:bodyPr/>
+        <a:lstStyle/>
+        <a:p>
+          <a:endParaRPr lang="en-US"/>
+        </a:p>
+      </dgm:t>
+    </dgm:pt>
+    <dgm:pt modelId="{A3A4C5A6-F0AB-4B06-BC29-8AD3C8A581CE}">
+      <dgm:prSet phldrT="[Text]" custT="1"/>
+      <dgm:spPr/>
+      <dgm:t>
+        <a:bodyPr/>
+        <a:lstStyle/>
+        <a:p>
+          <a:r>
+            <a:rPr lang="en-US" sz="2800" dirty="0" smtClean="0">
+              <a:solidFill>
+                <a:schemeClr val="bg1"/>
+              </a:solidFill>
+            </a:rPr>
+            <a:t>OOP – </a:t>
+          </a:r>
+          <a:r>
+            <a:rPr lang="en-US" sz="2800" dirty="0" err="1" smtClean="0">
+              <a:solidFill>
+                <a:schemeClr val="bg1"/>
+              </a:solidFill>
+            </a:rPr>
+            <a:t>Clase</a:t>
+          </a:r>
+          <a:r>
+            <a:rPr lang="en-US" sz="2800" dirty="0" smtClean="0">
+              <a:solidFill>
+                <a:schemeClr val="bg1"/>
+              </a:solidFill>
+            </a:rPr>
+            <a:t>, </a:t>
+          </a:r>
+          <a:r>
+            <a:rPr lang="en-US" sz="2800" dirty="0" err="1" smtClean="0">
+              <a:solidFill>
+                <a:schemeClr val="bg1"/>
+              </a:solidFill>
+            </a:rPr>
+            <a:t>obiecte</a:t>
+          </a:r>
+          <a:r>
+            <a:rPr lang="en-US" sz="2800" dirty="0" smtClean="0">
+              <a:solidFill>
+                <a:schemeClr val="bg1"/>
+              </a:solidFill>
+            </a:rPr>
+            <a:t>, </a:t>
+          </a:r>
+          <a:r>
+            <a:rPr lang="en-US" sz="2800" dirty="0" err="1" smtClean="0">
+              <a:solidFill>
+                <a:schemeClr val="bg1"/>
+              </a:solidFill>
+            </a:rPr>
+            <a:t>metode</a:t>
+          </a:r>
+          <a:r>
+            <a:rPr lang="en-US" sz="2800" dirty="0" smtClean="0">
+              <a:solidFill>
+                <a:schemeClr val="bg1"/>
+              </a:solidFill>
+            </a:rPr>
+            <a:t>, </a:t>
+          </a:r>
+          <a:r>
+            <a:rPr lang="en-US" sz="2800" dirty="0" err="1" smtClean="0">
+              <a:solidFill>
+                <a:schemeClr val="bg1"/>
+              </a:solidFill>
+            </a:rPr>
+            <a:t>constructori</a:t>
+          </a:r>
+          <a:endParaRPr lang="en-US" sz="2800" dirty="0">
+            <a:solidFill>
+              <a:schemeClr val="bg1"/>
+            </a:solidFill>
+          </a:endParaRPr>
+        </a:p>
+      </dgm:t>
+    </dgm:pt>
+    <dgm:pt modelId="{7A60E7CD-CD87-4BAA-83C4-5C1D640B876B}" type="parTrans" cxnId="{5D35CD66-F688-42F7-92CA-A41F0B8716C3}">
+      <dgm:prSet/>
+      <dgm:spPr/>
+      <dgm:t>
+        <a:bodyPr/>
+        <a:lstStyle/>
+        <a:p>
+          <a:endParaRPr lang="en-US"/>
+        </a:p>
+      </dgm:t>
+    </dgm:pt>
+    <dgm:pt modelId="{0DBA3B75-9BC2-46A6-AC8B-FDBABC30A142}" type="sibTrans" cxnId="{5D35CD66-F688-42F7-92CA-A41F0B8716C3}">
+      <dgm:prSet/>
+      <dgm:spPr/>
+      <dgm:t>
+        <a:bodyPr/>
+        <a:lstStyle/>
+        <a:p>
+          <a:endParaRPr lang="en-US"/>
+        </a:p>
+      </dgm:t>
+    </dgm:pt>
+    <dgm:pt modelId="{582C8A49-F718-4071-89F4-3988E1B25468}">
+      <dgm:prSet phldrT="[Text]" custT="1"/>
+      <dgm:spPr/>
+      <dgm:t>
+        <a:bodyPr/>
+        <a:lstStyle/>
+        <a:p>
+          <a:r>
+            <a:rPr lang="en-US" sz="2800" dirty="0" smtClean="0">
+              <a:solidFill>
+                <a:schemeClr val="bg1"/>
+              </a:solidFill>
+            </a:rPr>
+            <a:t>UI - SWING</a:t>
+          </a:r>
+          <a:endParaRPr lang="en-US" sz="2800" dirty="0">
+            <a:solidFill>
+              <a:schemeClr val="bg1"/>
+            </a:solidFill>
+          </a:endParaRPr>
+        </a:p>
+      </dgm:t>
+    </dgm:pt>
+    <dgm:pt modelId="{99EC4859-8490-4565-81E3-8CFB537897B2}" type="parTrans" cxnId="{C3C71DBA-7D2C-4E47-8495-47A48CD65E93}">
+      <dgm:prSet/>
+      <dgm:spPr/>
+      <dgm:t>
+        <a:bodyPr/>
+        <a:lstStyle/>
+        <a:p>
+          <a:endParaRPr lang="en-US"/>
+        </a:p>
+      </dgm:t>
+    </dgm:pt>
+    <dgm:pt modelId="{A9297AD1-081E-46D2-AB84-667F363467BB}" type="sibTrans" cxnId="{C3C71DBA-7D2C-4E47-8495-47A48CD65E93}">
+      <dgm:prSet/>
+      <dgm:spPr/>
+      <dgm:t>
+        <a:bodyPr/>
+        <a:lstStyle/>
+        <a:p>
+          <a:endParaRPr lang="en-US"/>
+        </a:p>
+      </dgm:t>
+    </dgm:pt>
+    <dgm:pt modelId="{DC57F613-3150-4A0C-90D9-6093AE07AEA7}" type="pres">
+      <dgm:prSet presAssocID="{42BD5735-BA7E-4739-BD9C-06884E5B6F3A}" presName="rootnode" presStyleCnt="0">
+        <dgm:presLayoutVars>
+          <dgm:chMax/>
+          <dgm:chPref/>
+          <dgm:dir/>
+          <dgm:animLvl val="lvl"/>
+        </dgm:presLayoutVars>
+      </dgm:prSet>
+      <dgm:spPr/>
+    </dgm:pt>
+    <dgm:pt modelId="{602A6B5D-F5FE-4E5C-A981-AACE9AB1E183}" type="pres">
+      <dgm:prSet presAssocID="{560981F5-DE64-43EA-8E12-E21555E6D2C6}" presName="composite" presStyleCnt="0"/>
+      <dgm:spPr/>
+    </dgm:pt>
+    <dgm:pt modelId="{046C7540-8F42-437C-A7DF-B2EF21A26A20}" type="pres">
+      <dgm:prSet presAssocID="{560981F5-DE64-43EA-8E12-E21555E6D2C6}" presName="LShape" presStyleLbl="alignNode1" presStyleIdx="0" presStyleCnt="5" custLinFactNeighborX="-129" custLinFactNeighborY="4073"/>
+      <dgm:spPr/>
+    </dgm:pt>
+    <dgm:pt modelId="{2052AF6D-66C4-4AF1-8F4C-13038B581C96}" type="pres">
+      <dgm:prSet presAssocID="{560981F5-DE64-43EA-8E12-E21555E6D2C6}" presName="ParentText" presStyleLbl="revTx" presStyleIdx="0" presStyleCnt="3">
+        <dgm:presLayoutVars>
+          <dgm:chMax val="0"/>
+          <dgm:chPref val="0"/>
+          <dgm:bulletEnabled val="1"/>
+        </dgm:presLayoutVars>
+      </dgm:prSet>
+      <dgm:spPr/>
+    </dgm:pt>
+    <dgm:pt modelId="{5A26B6F1-7574-4933-86AE-D464A6AC05D8}" type="pres">
+      <dgm:prSet presAssocID="{560981F5-DE64-43EA-8E12-E21555E6D2C6}" presName="Triangle" presStyleLbl="alignNode1" presStyleIdx="1" presStyleCnt="5"/>
+      <dgm:spPr/>
+    </dgm:pt>
+    <dgm:pt modelId="{5B5F731B-C6CD-46D4-8FB0-E7F47DB467C7}" type="pres">
+      <dgm:prSet presAssocID="{8DE24ABF-B5DC-45A2-BC13-9148A2E7627D}" presName="sibTrans" presStyleCnt="0"/>
+      <dgm:spPr/>
+    </dgm:pt>
+    <dgm:pt modelId="{257E4418-DC78-43EA-A9D5-7AB62F11AD3C}" type="pres">
+      <dgm:prSet presAssocID="{8DE24ABF-B5DC-45A2-BC13-9148A2E7627D}" presName="space" presStyleCnt="0"/>
+      <dgm:spPr/>
+    </dgm:pt>
+    <dgm:pt modelId="{89787693-4202-4FFC-8BB5-DC410F52DE3F}" type="pres">
+      <dgm:prSet presAssocID="{A3A4C5A6-F0AB-4B06-BC29-8AD3C8A581CE}" presName="composite" presStyleCnt="0"/>
+      <dgm:spPr/>
+    </dgm:pt>
+    <dgm:pt modelId="{083EA73A-A7CC-48AD-8D28-5B8599A2C68B}" type="pres">
+      <dgm:prSet presAssocID="{A3A4C5A6-F0AB-4B06-BC29-8AD3C8A581CE}" presName="LShape" presStyleLbl="alignNode1" presStyleIdx="2" presStyleCnt="5"/>
+      <dgm:spPr/>
+    </dgm:pt>
+    <dgm:pt modelId="{EB8C8084-913E-4F69-9F85-5C885F6F74C1}" type="pres">
+      <dgm:prSet presAssocID="{A3A4C5A6-F0AB-4B06-BC29-8AD3C8A581CE}" presName="ParentText" presStyleLbl="revTx" presStyleIdx="1" presStyleCnt="3">
+        <dgm:presLayoutVars>
+          <dgm:chMax val="0"/>
+          <dgm:chPref val="0"/>
+          <dgm:bulletEnabled val="1"/>
+        </dgm:presLayoutVars>
+      </dgm:prSet>
+      <dgm:spPr/>
+      <dgm:t>
+        <a:bodyPr/>
+        <a:lstStyle/>
+        <a:p>
+          <a:endParaRPr lang="en-US"/>
+        </a:p>
+      </dgm:t>
+    </dgm:pt>
+    <dgm:pt modelId="{0D8A7109-766E-4E34-AE20-F456B6D9924C}" type="pres">
+      <dgm:prSet presAssocID="{A3A4C5A6-F0AB-4B06-BC29-8AD3C8A581CE}" presName="Triangle" presStyleLbl="alignNode1" presStyleIdx="3" presStyleCnt="5"/>
+      <dgm:spPr/>
+    </dgm:pt>
+    <dgm:pt modelId="{5291EBF4-7377-4A3D-93A6-9DD7D28B50C7}" type="pres">
+      <dgm:prSet presAssocID="{0DBA3B75-9BC2-46A6-AC8B-FDBABC30A142}" presName="sibTrans" presStyleCnt="0"/>
+      <dgm:spPr/>
+    </dgm:pt>
+    <dgm:pt modelId="{375D2320-CF0D-4C34-94EB-F4843BC0BDCB}" type="pres">
+      <dgm:prSet presAssocID="{0DBA3B75-9BC2-46A6-AC8B-FDBABC30A142}" presName="space" presStyleCnt="0"/>
+      <dgm:spPr/>
+    </dgm:pt>
+    <dgm:pt modelId="{C6F8407A-C190-4668-AA9F-4E2C3D7AC4CC}" type="pres">
+      <dgm:prSet presAssocID="{582C8A49-F718-4071-89F4-3988E1B25468}" presName="composite" presStyleCnt="0"/>
+      <dgm:spPr/>
+    </dgm:pt>
+    <dgm:pt modelId="{41EA7021-7D95-45B4-8B38-889A0D2FA35C}" type="pres">
+      <dgm:prSet presAssocID="{582C8A49-F718-4071-89F4-3988E1B25468}" presName="LShape" presStyleLbl="alignNode1" presStyleIdx="4" presStyleCnt="5"/>
+      <dgm:spPr/>
+    </dgm:pt>
+    <dgm:pt modelId="{A6A2504F-0595-4214-8B3C-53D39E7DED7B}" type="pres">
+      <dgm:prSet presAssocID="{582C8A49-F718-4071-89F4-3988E1B25468}" presName="ParentText" presStyleLbl="revTx" presStyleIdx="2" presStyleCnt="3">
+        <dgm:presLayoutVars>
+          <dgm:chMax val="0"/>
+          <dgm:chPref val="0"/>
+          <dgm:bulletEnabled val="1"/>
+        </dgm:presLayoutVars>
+      </dgm:prSet>
+      <dgm:spPr/>
+      <dgm:t>
+        <a:bodyPr/>
+        <a:lstStyle/>
+        <a:p>
+          <a:endParaRPr lang="en-US"/>
+        </a:p>
+      </dgm:t>
+    </dgm:pt>
+  </dgm:ptLst>
+  <dgm:cxnLst>
+    <dgm:cxn modelId="{B7FFA6DA-B09B-4D24-A49E-97E149DF8701}" type="presOf" srcId="{582C8A49-F718-4071-89F4-3988E1B25468}" destId="{A6A2504F-0595-4214-8B3C-53D39E7DED7B}" srcOrd="0" destOrd="0" presId="urn:microsoft.com/office/officeart/2009/3/layout/StepUpProcess"/>
+    <dgm:cxn modelId="{8430A8D9-F7EA-49C7-BA38-AFE318298D19}" srcId="{42BD5735-BA7E-4739-BD9C-06884E5B6F3A}" destId="{560981F5-DE64-43EA-8E12-E21555E6D2C6}" srcOrd="0" destOrd="0" parTransId="{58E3C20B-6B8F-40FB-A30E-BFB55170009D}" sibTransId="{8DE24ABF-B5DC-45A2-BC13-9148A2E7627D}"/>
+    <dgm:cxn modelId="{C3C71DBA-7D2C-4E47-8495-47A48CD65E93}" srcId="{42BD5735-BA7E-4739-BD9C-06884E5B6F3A}" destId="{582C8A49-F718-4071-89F4-3988E1B25468}" srcOrd="2" destOrd="0" parTransId="{99EC4859-8490-4565-81E3-8CFB537897B2}" sibTransId="{A9297AD1-081E-46D2-AB84-667F363467BB}"/>
+    <dgm:cxn modelId="{5D35CD66-F688-42F7-92CA-A41F0B8716C3}" srcId="{42BD5735-BA7E-4739-BD9C-06884E5B6F3A}" destId="{A3A4C5A6-F0AB-4B06-BC29-8AD3C8A581CE}" srcOrd="1" destOrd="0" parTransId="{7A60E7CD-CD87-4BAA-83C4-5C1D640B876B}" sibTransId="{0DBA3B75-9BC2-46A6-AC8B-FDBABC30A142}"/>
+    <dgm:cxn modelId="{7619A806-524A-478B-94E2-A6D243C633B7}" type="presOf" srcId="{42BD5735-BA7E-4739-BD9C-06884E5B6F3A}" destId="{DC57F613-3150-4A0C-90D9-6093AE07AEA7}" srcOrd="0" destOrd="0" presId="urn:microsoft.com/office/officeart/2009/3/layout/StepUpProcess"/>
+    <dgm:cxn modelId="{502775EA-C986-4FF1-94F6-3A742BA60DE9}" type="presOf" srcId="{560981F5-DE64-43EA-8E12-E21555E6D2C6}" destId="{2052AF6D-66C4-4AF1-8F4C-13038B581C96}" srcOrd="0" destOrd="0" presId="urn:microsoft.com/office/officeart/2009/3/layout/StepUpProcess"/>
+    <dgm:cxn modelId="{5CC0C4B9-7706-42BB-B9B9-6CC404A13447}" type="presOf" srcId="{A3A4C5A6-F0AB-4B06-BC29-8AD3C8A581CE}" destId="{EB8C8084-913E-4F69-9F85-5C885F6F74C1}" srcOrd="0" destOrd="0" presId="urn:microsoft.com/office/officeart/2009/3/layout/StepUpProcess"/>
+    <dgm:cxn modelId="{84D5E352-6EAE-409B-BCAB-A5BEB45EF6C5}" type="presParOf" srcId="{DC57F613-3150-4A0C-90D9-6093AE07AEA7}" destId="{602A6B5D-F5FE-4E5C-A981-AACE9AB1E183}" srcOrd="0" destOrd="0" presId="urn:microsoft.com/office/officeart/2009/3/layout/StepUpProcess"/>
+    <dgm:cxn modelId="{133AB2D2-3CA8-4C33-B9CB-8258345293DA}" type="presParOf" srcId="{602A6B5D-F5FE-4E5C-A981-AACE9AB1E183}" destId="{046C7540-8F42-437C-A7DF-B2EF21A26A20}" srcOrd="0" destOrd="0" presId="urn:microsoft.com/office/officeart/2009/3/layout/StepUpProcess"/>
+    <dgm:cxn modelId="{B97BD728-E119-4947-A813-BF35385BC4C0}" type="presParOf" srcId="{602A6B5D-F5FE-4E5C-A981-AACE9AB1E183}" destId="{2052AF6D-66C4-4AF1-8F4C-13038B581C96}" srcOrd="1" destOrd="0" presId="urn:microsoft.com/office/officeart/2009/3/layout/StepUpProcess"/>
+    <dgm:cxn modelId="{9B5306CE-B691-4F18-A740-A077EBCD0D28}" type="presParOf" srcId="{602A6B5D-F5FE-4E5C-A981-AACE9AB1E183}" destId="{5A26B6F1-7574-4933-86AE-D464A6AC05D8}" srcOrd="2" destOrd="0" presId="urn:microsoft.com/office/officeart/2009/3/layout/StepUpProcess"/>
+    <dgm:cxn modelId="{F7252AA6-87C3-49DD-886F-960EE06A4D81}" type="presParOf" srcId="{DC57F613-3150-4A0C-90D9-6093AE07AEA7}" destId="{5B5F731B-C6CD-46D4-8FB0-E7F47DB467C7}" srcOrd="1" destOrd="0" presId="urn:microsoft.com/office/officeart/2009/3/layout/StepUpProcess"/>
+    <dgm:cxn modelId="{8BAD1921-83B5-4BD8-B190-C10908FEB3E9}" type="presParOf" srcId="{5B5F731B-C6CD-46D4-8FB0-E7F47DB467C7}" destId="{257E4418-DC78-43EA-A9D5-7AB62F11AD3C}" srcOrd="0" destOrd="0" presId="urn:microsoft.com/office/officeart/2009/3/layout/StepUpProcess"/>
+    <dgm:cxn modelId="{AF886A65-D4C0-47AF-9AA2-4A104656DC70}" type="presParOf" srcId="{DC57F613-3150-4A0C-90D9-6093AE07AEA7}" destId="{89787693-4202-4FFC-8BB5-DC410F52DE3F}" srcOrd="2" destOrd="0" presId="urn:microsoft.com/office/officeart/2009/3/layout/StepUpProcess"/>
+    <dgm:cxn modelId="{8CAE8198-977B-49E0-924B-E9F3044CC1F5}" type="presParOf" srcId="{89787693-4202-4FFC-8BB5-DC410F52DE3F}" destId="{083EA73A-A7CC-48AD-8D28-5B8599A2C68B}" srcOrd="0" destOrd="0" presId="urn:microsoft.com/office/officeart/2009/3/layout/StepUpProcess"/>
+    <dgm:cxn modelId="{1BAAF5D1-2518-44FA-A225-B3D8D5062A61}" type="presParOf" srcId="{89787693-4202-4FFC-8BB5-DC410F52DE3F}" destId="{EB8C8084-913E-4F69-9F85-5C885F6F74C1}" srcOrd="1" destOrd="0" presId="urn:microsoft.com/office/officeart/2009/3/layout/StepUpProcess"/>
+    <dgm:cxn modelId="{7DB8B1D6-29F8-4CFC-B2C1-9FA211D6D35B}" type="presParOf" srcId="{89787693-4202-4FFC-8BB5-DC410F52DE3F}" destId="{0D8A7109-766E-4E34-AE20-F456B6D9924C}" srcOrd="2" destOrd="0" presId="urn:microsoft.com/office/officeart/2009/3/layout/StepUpProcess"/>
+    <dgm:cxn modelId="{DC1AEDB1-8870-489E-B9AE-B9236298326F}" type="presParOf" srcId="{DC57F613-3150-4A0C-90D9-6093AE07AEA7}" destId="{5291EBF4-7377-4A3D-93A6-9DD7D28B50C7}" srcOrd="3" destOrd="0" presId="urn:microsoft.com/office/officeart/2009/3/layout/StepUpProcess"/>
+    <dgm:cxn modelId="{5A32E9A3-7DE7-449A-9525-174A43F8A6BA}" type="presParOf" srcId="{5291EBF4-7377-4A3D-93A6-9DD7D28B50C7}" destId="{375D2320-CF0D-4C34-94EB-F4843BC0BDCB}" srcOrd="0" destOrd="0" presId="urn:microsoft.com/office/officeart/2009/3/layout/StepUpProcess"/>
+    <dgm:cxn modelId="{C3874AA7-8980-44CE-A671-6EA118780990}" type="presParOf" srcId="{DC57F613-3150-4A0C-90D9-6093AE07AEA7}" destId="{C6F8407A-C190-4668-AA9F-4E2C3D7AC4CC}" srcOrd="4" destOrd="0" presId="urn:microsoft.com/office/officeart/2009/3/layout/StepUpProcess"/>
+    <dgm:cxn modelId="{80F8CF0A-05B1-433E-955D-AE3DD9149425}" type="presParOf" srcId="{C6F8407A-C190-4668-AA9F-4E2C3D7AC4CC}" destId="{41EA7021-7D95-45B4-8B38-889A0D2FA35C}" srcOrd="0" destOrd="0" presId="urn:microsoft.com/office/officeart/2009/3/layout/StepUpProcess"/>
+    <dgm:cxn modelId="{900684EC-F5F9-4154-87BC-18CEDDB5EE39}" type="presParOf" srcId="{C6F8407A-C190-4668-AA9F-4E2C3D7AC4CC}" destId="{A6A2504F-0595-4214-8B3C-53D39E7DED7B}" srcOrd="1" destOrd="0" presId="urn:microsoft.com/office/officeart/2009/3/layout/StepUpProcess"/>
+  </dgm:cxnLst>
+  <dgm:bg/>
+  <dgm:whole/>
+  <dgm:extLst>
+    <a:ext uri="http://schemas.microsoft.com/office/drawing/2008/diagram">
+      <dsp:dataModelExt xmlns:dsp="http://schemas.microsoft.com/office/drawing/2008/diagram" relId="rId6" minVer="http://schemas.openxmlformats.org/drawingml/2006/diagram"/>
+    </a:ext>
+  </dgm:extLst>
+</dgm:dataModel>
+</file>
+
+<file path=ppt/diagrams/drawing1.xml><?xml version="1.0" encoding="utf-8"?>
+<dsp:drawing xmlns:dgm="http://schemas.openxmlformats.org/drawingml/2006/diagram" xmlns:dsp="http://schemas.microsoft.com/office/drawing/2008/diagram" xmlns:a="http://schemas.openxmlformats.org/drawingml/2006/main">
+  <dsp:spTree>
+    <dsp:nvGrpSpPr>
+      <dsp:cNvPr id="0" name=""/>
+      <dsp:cNvGrpSpPr/>
+    </dsp:nvGrpSpPr>
+    <dsp:grpSpPr/>
+    <dsp:sp modelId="{046C7540-8F42-437C-A7DF-B2EF21A26A20}">
+      <dsp:nvSpPr>
+        <dsp:cNvPr id="0" name=""/>
+        <dsp:cNvSpPr/>
+      </dsp:nvSpPr>
+      <dsp:spPr>
+        <a:xfrm rot="5400000">
+          <a:off x="468397" y="1218158"/>
+          <a:ext cx="1410030" cy="2346258"/>
+        </a:xfrm>
+        <a:prstGeom prst="corner">
+          <a:avLst>
+            <a:gd name="adj1" fmla="val 16120"/>
+            <a:gd name="adj2" fmla="val 16110"/>
+          </a:avLst>
+        </a:prstGeom>
+        <a:solidFill>
+          <a:schemeClr val="accent1">
+            <a:hueOff val="0"/>
+            <a:satOff val="0"/>
+            <a:lumOff val="0"/>
+            <a:alphaOff val="0"/>
+          </a:schemeClr>
+        </a:solidFill>
+        <a:ln w="9525" cap="flat" cmpd="sng" algn="ctr">
+          <a:solidFill>
+            <a:schemeClr val="accent1">
+              <a:hueOff val="0"/>
+              <a:satOff val="0"/>
+              <a:lumOff val="0"/>
+              <a:alphaOff val="0"/>
+            </a:schemeClr>
+          </a:solidFill>
+          <a:prstDash val="solid"/>
+        </a:ln>
+        <a:effectLst>
+          <a:outerShdw blurRad="40000" dist="23000" dir="5400000" rotWithShape="0">
+            <a:srgbClr val="000000">
+              <a:alpha val="35000"/>
+            </a:srgbClr>
+          </a:outerShdw>
+        </a:effectLst>
+        <a:sp3d prstMaterial="plastic">
+          <a:bevelT w="50800" h="50800"/>
+          <a:bevelB w="50800" h="50800"/>
+        </a:sp3d>
+      </dsp:spPr>
+      <dsp:style>
+        <a:lnRef idx="1">
+          <a:scrgbClr r="0" g="0" b="0"/>
+        </a:lnRef>
+        <a:fillRef idx="1">
+          <a:scrgbClr r="0" g="0" b="0"/>
+        </a:fillRef>
+        <a:effectRef idx="2">
+          <a:scrgbClr r="0" g="0" b="0"/>
+        </a:effectRef>
+        <a:fontRef idx="minor">
+          <a:schemeClr val="lt1"/>
+        </a:fontRef>
+      </dsp:style>
+    </dsp:sp>
+    <dsp:sp modelId="{2052AF6D-66C4-4AF1-8F4C-13038B581C96}">
+      <dsp:nvSpPr>
+        <dsp:cNvPr id="0" name=""/>
+        <dsp:cNvSpPr/>
+      </dsp:nvSpPr>
+      <dsp:spPr>
+        <a:xfrm>
+          <a:off x="236055" y="1861753"/>
+          <a:ext cx="2118215" cy="1856740"/>
+        </a:xfrm>
+        <a:prstGeom prst="rect">
+          <a:avLst/>
+        </a:prstGeom>
+        <a:solidFill>
+          <a:schemeClr val="lt1">
+            <a:alpha val="0"/>
+            <a:hueOff val="0"/>
+            <a:satOff val="0"/>
+            <a:lumOff val="0"/>
+            <a:alphaOff val="0"/>
+          </a:schemeClr>
+        </a:solidFill>
+        <a:ln>
+          <a:noFill/>
+        </a:ln>
+        <a:effectLst/>
+      </dsp:spPr>
+      <dsp:style>
+        <a:lnRef idx="0">
+          <a:scrgbClr r="0" g="0" b="0"/>
+        </a:lnRef>
+        <a:fillRef idx="1">
+          <a:scrgbClr r="0" g="0" b="0"/>
+        </a:fillRef>
+        <a:effectRef idx="0">
+          <a:scrgbClr r="0" g="0" b="0"/>
+        </a:effectRef>
+        <a:fontRef idx="minor"/>
+      </dsp:style>
+      <dsp:txBody>
+        <a:bodyPr spcFirstLastPara="0" vert="horz" wrap="square" lIns="106680" tIns="106680" rIns="106680" bIns="106680" numCol="1" spcCol="1270" anchor="t" anchorCtr="0">
+          <a:noAutofit/>
+        </a:bodyPr>
+        <a:lstStyle/>
+        <a:p>
+          <a:pPr lvl="0" algn="l" defTabSz="1244600">
+            <a:lnSpc>
+              <a:spcPct val="90000"/>
+            </a:lnSpc>
+            <a:spcBef>
+              <a:spcPct val="0"/>
+            </a:spcBef>
+            <a:spcAft>
+              <a:spcPct val="35000"/>
+            </a:spcAft>
+          </a:pPr>
+          <a:r>
+            <a:rPr lang="en-US" sz="2800" kern="1200" dirty="0" smtClean="0">
+              <a:solidFill>
+                <a:schemeClr val="bg1"/>
+              </a:solidFill>
+            </a:rPr>
+            <a:t>Primitive </a:t>
+          </a:r>
+          <a:r>
+            <a:rPr lang="en-US" sz="2800" kern="1200" dirty="0" err="1" smtClean="0">
+              <a:solidFill>
+                <a:schemeClr val="bg1"/>
+              </a:solidFill>
+            </a:rPr>
+            <a:t>si</a:t>
+          </a:r>
+          <a:r>
+            <a:rPr lang="en-US" sz="2800" kern="1200" dirty="0" smtClean="0">
+              <a:solidFill>
+                <a:schemeClr val="bg1"/>
+              </a:solidFill>
+            </a:rPr>
+            <a:t> </a:t>
+          </a:r>
+          <a:r>
+            <a:rPr lang="en-US" sz="2800" kern="1200" dirty="0" err="1" smtClean="0">
+              <a:solidFill>
+                <a:schemeClr val="bg1"/>
+              </a:solidFill>
+            </a:rPr>
+            <a:t>structuri</a:t>
+          </a:r>
+          <a:r>
+            <a:rPr lang="en-US" sz="2800" kern="1200" dirty="0" smtClean="0">
+              <a:solidFill>
+                <a:schemeClr val="bg1"/>
+              </a:solidFill>
+            </a:rPr>
+            <a:t> repetitive + </a:t>
+          </a:r>
+          <a:r>
+            <a:rPr lang="en-US" sz="2800" kern="1200" dirty="0" err="1" smtClean="0">
+              <a:solidFill>
+                <a:schemeClr val="bg1"/>
+              </a:solidFill>
+            </a:rPr>
+            <a:t>conditionale</a:t>
+          </a:r>
+          <a:endParaRPr lang="en-US" sz="2800" kern="1200" dirty="0">
+            <a:solidFill>
+              <a:schemeClr val="bg1"/>
+            </a:solidFill>
+          </a:endParaRPr>
+        </a:p>
+      </dsp:txBody>
+      <dsp:txXfrm>
+        <a:off x="236055" y="1861753"/>
+        <a:ext cx="2118215" cy="1856740"/>
+      </dsp:txXfrm>
+    </dsp:sp>
+    <dsp:sp modelId="{5A26B6F1-7574-4933-86AE-D464A6AC05D8}">
+      <dsp:nvSpPr>
+        <dsp:cNvPr id="0" name=""/>
+        <dsp:cNvSpPr/>
+      </dsp:nvSpPr>
+      <dsp:spPr>
+        <a:xfrm>
+          <a:off x="1954607" y="987993"/>
+          <a:ext cx="399663" cy="399663"/>
+        </a:xfrm>
+        <a:prstGeom prst="triangle">
+          <a:avLst>
+            <a:gd name="adj" fmla="val 100000"/>
+          </a:avLst>
+        </a:prstGeom>
+        <a:solidFill>
+          <a:schemeClr val="accent1">
+            <a:hueOff val="0"/>
+            <a:satOff val="0"/>
+            <a:lumOff val="0"/>
+            <a:alphaOff val="0"/>
+          </a:schemeClr>
+        </a:solidFill>
+        <a:ln w="9525" cap="flat" cmpd="sng" algn="ctr">
+          <a:solidFill>
+            <a:schemeClr val="accent1">
+              <a:hueOff val="0"/>
+              <a:satOff val="0"/>
+              <a:lumOff val="0"/>
+              <a:alphaOff val="0"/>
+            </a:schemeClr>
+          </a:solidFill>
+          <a:prstDash val="solid"/>
+        </a:ln>
+        <a:effectLst>
+          <a:outerShdw blurRad="40000" dist="23000" dir="5400000" rotWithShape="0">
+            <a:srgbClr val="000000">
+              <a:alpha val="35000"/>
+            </a:srgbClr>
+          </a:outerShdw>
+        </a:effectLst>
+        <a:sp3d prstMaterial="plastic">
+          <a:bevelT w="50800" h="50800"/>
+          <a:bevelB w="50800" h="50800"/>
+        </a:sp3d>
+      </dsp:spPr>
+      <dsp:style>
+        <a:lnRef idx="1">
+          <a:scrgbClr r="0" g="0" b="0"/>
+        </a:lnRef>
+        <a:fillRef idx="1">
+          <a:scrgbClr r="0" g="0" b="0"/>
+        </a:fillRef>
+        <a:effectRef idx="2">
+          <a:scrgbClr r="0" g="0" b="0"/>
+        </a:effectRef>
+        <a:fontRef idx="minor">
+          <a:schemeClr val="lt1"/>
+        </a:fontRef>
+      </dsp:style>
+    </dsp:sp>
+    <dsp:sp modelId="{083EA73A-A7CC-48AD-8D28-5B8599A2C68B}">
+      <dsp:nvSpPr>
+        <dsp:cNvPr id="0" name=""/>
+        <dsp:cNvSpPr/>
+      </dsp:nvSpPr>
+      <dsp:spPr>
+        <a:xfrm rot="5400000">
+          <a:off x="3064533" y="519059"/>
+          <a:ext cx="1410030" cy="2346258"/>
+        </a:xfrm>
+        <a:prstGeom prst="corner">
+          <a:avLst>
+            <a:gd name="adj1" fmla="val 16120"/>
+            <a:gd name="adj2" fmla="val 16110"/>
+          </a:avLst>
+        </a:prstGeom>
+        <a:solidFill>
+          <a:schemeClr val="accent1">
+            <a:hueOff val="0"/>
+            <a:satOff val="0"/>
+            <a:lumOff val="0"/>
+            <a:alphaOff val="0"/>
+          </a:schemeClr>
+        </a:solidFill>
+        <a:ln w="9525" cap="flat" cmpd="sng" algn="ctr">
+          <a:solidFill>
+            <a:schemeClr val="accent1">
+              <a:hueOff val="0"/>
+              <a:satOff val="0"/>
+              <a:lumOff val="0"/>
+              <a:alphaOff val="0"/>
+            </a:schemeClr>
+          </a:solidFill>
+          <a:prstDash val="solid"/>
+        </a:ln>
+        <a:effectLst>
+          <a:outerShdw blurRad="40000" dist="23000" dir="5400000" rotWithShape="0">
+            <a:srgbClr val="000000">
+              <a:alpha val="35000"/>
+            </a:srgbClr>
+          </a:outerShdw>
+        </a:effectLst>
+        <a:sp3d prstMaterial="plastic">
+          <a:bevelT w="50800" h="50800"/>
+          <a:bevelB w="50800" h="50800"/>
+        </a:sp3d>
+      </dsp:spPr>
+      <dsp:style>
+        <a:lnRef idx="1">
+          <a:scrgbClr r="0" g="0" b="0"/>
+        </a:lnRef>
+        <a:fillRef idx="1">
+          <a:scrgbClr r="0" g="0" b="0"/>
+        </a:fillRef>
+        <a:effectRef idx="2">
+          <a:scrgbClr r="0" g="0" b="0"/>
+        </a:effectRef>
+        <a:fontRef idx="minor">
+          <a:schemeClr val="lt1"/>
+        </a:fontRef>
+      </dsp:style>
+    </dsp:sp>
+    <dsp:sp modelId="{EB8C8084-913E-4F69-9F85-5C885F6F74C1}">
+      <dsp:nvSpPr>
+        <dsp:cNvPr id="0" name=""/>
+        <dsp:cNvSpPr/>
+      </dsp:nvSpPr>
+      <dsp:spPr>
+        <a:xfrm>
+          <a:off x="2829164" y="1220085"/>
+          <a:ext cx="2118215" cy="1856740"/>
+        </a:xfrm>
+        <a:prstGeom prst="rect">
+          <a:avLst/>
+        </a:prstGeom>
+        <a:solidFill>
+          <a:schemeClr val="lt1">
+            <a:alpha val="0"/>
+            <a:hueOff val="0"/>
+            <a:satOff val="0"/>
+            <a:lumOff val="0"/>
+            <a:alphaOff val="0"/>
+          </a:schemeClr>
+        </a:solidFill>
+        <a:ln>
+          <a:noFill/>
+        </a:ln>
+        <a:effectLst/>
+      </dsp:spPr>
+      <dsp:style>
+        <a:lnRef idx="0">
+          <a:scrgbClr r="0" g="0" b="0"/>
+        </a:lnRef>
+        <a:fillRef idx="1">
+          <a:scrgbClr r="0" g="0" b="0"/>
+        </a:fillRef>
+        <a:effectRef idx="0">
+          <a:scrgbClr r="0" g="0" b="0"/>
+        </a:effectRef>
+        <a:fontRef idx="minor"/>
+      </dsp:style>
+      <dsp:txBody>
+        <a:bodyPr spcFirstLastPara="0" vert="horz" wrap="square" lIns="106680" tIns="106680" rIns="106680" bIns="106680" numCol="1" spcCol="1270" anchor="t" anchorCtr="0">
+          <a:noAutofit/>
+        </a:bodyPr>
+        <a:lstStyle/>
+        <a:p>
+          <a:pPr lvl="0" algn="l" defTabSz="1244600">
+            <a:lnSpc>
+              <a:spcPct val="90000"/>
+            </a:lnSpc>
+            <a:spcBef>
+              <a:spcPct val="0"/>
+            </a:spcBef>
+            <a:spcAft>
+              <a:spcPct val="35000"/>
+            </a:spcAft>
+          </a:pPr>
+          <a:r>
+            <a:rPr lang="en-US" sz="2800" kern="1200" dirty="0" smtClean="0">
+              <a:solidFill>
+                <a:schemeClr val="bg1"/>
+              </a:solidFill>
+            </a:rPr>
+            <a:t>OOP – </a:t>
+          </a:r>
+          <a:r>
+            <a:rPr lang="en-US" sz="2800" kern="1200" dirty="0" err="1" smtClean="0">
+              <a:solidFill>
+                <a:schemeClr val="bg1"/>
+              </a:solidFill>
+            </a:rPr>
+            <a:t>Clase</a:t>
+          </a:r>
+          <a:r>
+            <a:rPr lang="en-US" sz="2800" kern="1200" dirty="0" smtClean="0">
+              <a:solidFill>
+                <a:schemeClr val="bg1"/>
+              </a:solidFill>
+            </a:rPr>
+            <a:t>, </a:t>
+          </a:r>
+          <a:r>
+            <a:rPr lang="en-US" sz="2800" kern="1200" dirty="0" err="1" smtClean="0">
+              <a:solidFill>
+                <a:schemeClr val="bg1"/>
+              </a:solidFill>
+            </a:rPr>
+            <a:t>obiecte</a:t>
+          </a:r>
+          <a:r>
+            <a:rPr lang="en-US" sz="2800" kern="1200" dirty="0" smtClean="0">
+              <a:solidFill>
+                <a:schemeClr val="bg1"/>
+              </a:solidFill>
+            </a:rPr>
+            <a:t>, </a:t>
+          </a:r>
+          <a:r>
+            <a:rPr lang="en-US" sz="2800" kern="1200" dirty="0" err="1" smtClean="0">
+              <a:solidFill>
+                <a:schemeClr val="bg1"/>
+              </a:solidFill>
+            </a:rPr>
+            <a:t>metode</a:t>
+          </a:r>
+          <a:r>
+            <a:rPr lang="en-US" sz="2800" kern="1200" dirty="0" smtClean="0">
+              <a:solidFill>
+                <a:schemeClr val="bg1"/>
+              </a:solidFill>
+            </a:rPr>
+            <a:t>, </a:t>
+          </a:r>
+          <a:r>
+            <a:rPr lang="en-US" sz="2800" kern="1200" dirty="0" err="1" smtClean="0">
+              <a:solidFill>
+                <a:schemeClr val="bg1"/>
+              </a:solidFill>
+            </a:rPr>
+            <a:t>constructori</a:t>
+          </a:r>
+          <a:endParaRPr lang="en-US" sz="2800" kern="1200" dirty="0">
+            <a:solidFill>
+              <a:schemeClr val="bg1"/>
+            </a:solidFill>
+          </a:endParaRPr>
+        </a:p>
+      </dsp:txBody>
+      <dsp:txXfrm>
+        <a:off x="2829164" y="1220085"/>
+        <a:ext cx="2118215" cy="1856740"/>
+      </dsp:txXfrm>
+    </dsp:sp>
+    <dsp:sp modelId="{0D8A7109-766E-4E34-AE20-F456B6D9924C}">
+      <dsp:nvSpPr>
+        <dsp:cNvPr id="0" name=""/>
+        <dsp:cNvSpPr/>
+      </dsp:nvSpPr>
+      <dsp:spPr>
+        <a:xfrm>
+          <a:off x="4547716" y="346325"/>
+          <a:ext cx="399663" cy="399663"/>
+        </a:xfrm>
+        <a:prstGeom prst="triangle">
+          <a:avLst>
+            <a:gd name="adj" fmla="val 100000"/>
+          </a:avLst>
+        </a:prstGeom>
+        <a:solidFill>
+          <a:schemeClr val="accent1">
+            <a:hueOff val="0"/>
+            <a:satOff val="0"/>
+            <a:lumOff val="0"/>
+            <a:alphaOff val="0"/>
+          </a:schemeClr>
+        </a:solidFill>
+        <a:ln w="9525" cap="flat" cmpd="sng" algn="ctr">
+          <a:solidFill>
+            <a:schemeClr val="accent1">
+              <a:hueOff val="0"/>
+              <a:satOff val="0"/>
+              <a:lumOff val="0"/>
+              <a:alphaOff val="0"/>
+            </a:schemeClr>
+          </a:solidFill>
+          <a:prstDash val="solid"/>
+        </a:ln>
+        <a:effectLst>
+          <a:outerShdw blurRad="40000" dist="23000" dir="5400000" rotWithShape="0">
+            <a:srgbClr val="000000">
+              <a:alpha val="35000"/>
+            </a:srgbClr>
+          </a:outerShdw>
+        </a:effectLst>
+        <a:sp3d prstMaterial="plastic">
+          <a:bevelT w="50800" h="50800"/>
+          <a:bevelB w="50800" h="50800"/>
+        </a:sp3d>
+      </dsp:spPr>
+      <dsp:style>
+        <a:lnRef idx="1">
+          <a:scrgbClr r="0" g="0" b="0"/>
+        </a:lnRef>
+        <a:fillRef idx="1">
+          <a:scrgbClr r="0" g="0" b="0"/>
+        </a:fillRef>
+        <a:effectRef idx="2">
+          <a:scrgbClr r="0" g="0" b="0"/>
+        </a:effectRef>
+        <a:fontRef idx="minor">
+          <a:schemeClr val="lt1"/>
+        </a:fontRef>
+      </dsp:style>
+    </dsp:sp>
+    <dsp:sp modelId="{41EA7021-7D95-45B4-8B38-889A0D2FA35C}">
+      <dsp:nvSpPr>
+        <dsp:cNvPr id="0" name=""/>
+        <dsp:cNvSpPr/>
+      </dsp:nvSpPr>
+      <dsp:spPr>
+        <a:xfrm rot="5400000">
+          <a:off x="5657643" y="-122607"/>
+          <a:ext cx="1410030" cy="2346258"/>
+        </a:xfrm>
+        <a:prstGeom prst="corner">
+          <a:avLst>
+            <a:gd name="adj1" fmla="val 16120"/>
+            <a:gd name="adj2" fmla="val 16110"/>
+          </a:avLst>
+        </a:prstGeom>
+        <a:solidFill>
+          <a:schemeClr val="accent1">
+            <a:hueOff val="0"/>
+            <a:satOff val="0"/>
+            <a:lumOff val="0"/>
+            <a:alphaOff val="0"/>
+          </a:schemeClr>
+        </a:solidFill>
+        <a:ln w="9525" cap="flat" cmpd="sng" algn="ctr">
+          <a:solidFill>
+            <a:schemeClr val="accent1">
+              <a:hueOff val="0"/>
+              <a:satOff val="0"/>
+              <a:lumOff val="0"/>
+              <a:alphaOff val="0"/>
+            </a:schemeClr>
+          </a:solidFill>
+          <a:prstDash val="solid"/>
+        </a:ln>
+        <a:effectLst>
+          <a:outerShdw blurRad="40000" dist="23000" dir="5400000" rotWithShape="0">
+            <a:srgbClr val="000000">
+              <a:alpha val="35000"/>
+            </a:srgbClr>
+          </a:outerShdw>
+        </a:effectLst>
+        <a:sp3d prstMaterial="plastic">
+          <a:bevelT w="50800" h="50800"/>
+          <a:bevelB w="50800" h="50800"/>
+        </a:sp3d>
+      </dsp:spPr>
+      <dsp:style>
+        <a:lnRef idx="1">
+          <a:scrgbClr r="0" g="0" b="0"/>
+        </a:lnRef>
+        <a:fillRef idx="1">
+          <a:scrgbClr r="0" g="0" b="0"/>
+        </a:fillRef>
+        <a:effectRef idx="2">
+          <a:scrgbClr r="0" g="0" b="0"/>
+        </a:effectRef>
+        <a:fontRef idx="minor">
+          <a:schemeClr val="lt1"/>
+        </a:fontRef>
+      </dsp:style>
+    </dsp:sp>
+    <dsp:sp modelId="{A6A2504F-0595-4214-8B3C-53D39E7DED7B}">
+      <dsp:nvSpPr>
+        <dsp:cNvPr id="0" name=""/>
+        <dsp:cNvSpPr/>
+      </dsp:nvSpPr>
+      <dsp:spPr>
+        <a:xfrm>
+          <a:off x="5422274" y="578418"/>
+          <a:ext cx="2118215" cy="1856740"/>
+        </a:xfrm>
+        <a:prstGeom prst="rect">
+          <a:avLst/>
+        </a:prstGeom>
+        <a:solidFill>
+          <a:schemeClr val="lt1">
+            <a:alpha val="0"/>
+            <a:hueOff val="0"/>
+            <a:satOff val="0"/>
+            <a:lumOff val="0"/>
+            <a:alphaOff val="0"/>
+          </a:schemeClr>
+        </a:solidFill>
+        <a:ln>
+          <a:noFill/>
+        </a:ln>
+        <a:effectLst/>
+      </dsp:spPr>
+      <dsp:style>
+        <a:lnRef idx="0">
+          <a:scrgbClr r="0" g="0" b="0"/>
+        </a:lnRef>
+        <a:fillRef idx="1">
+          <a:scrgbClr r="0" g="0" b="0"/>
+        </a:fillRef>
+        <a:effectRef idx="0">
+          <a:scrgbClr r="0" g="0" b="0"/>
+        </a:effectRef>
+        <a:fontRef idx="minor"/>
+      </dsp:style>
+      <dsp:txBody>
+        <a:bodyPr spcFirstLastPara="0" vert="horz" wrap="square" lIns="106680" tIns="106680" rIns="106680" bIns="106680" numCol="1" spcCol="1270" anchor="t" anchorCtr="0">
+          <a:noAutofit/>
+        </a:bodyPr>
+        <a:lstStyle/>
+        <a:p>
+          <a:pPr lvl="0" algn="l" defTabSz="1244600">
+            <a:lnSpc>
+              <a:spcPct val="90000"/>
+            </a:lnSpc>
+            <a:spcBef>
+              <a:spcPct val="0"/>
+            </a:spcBef>
+            <a:spcAft>
+              <a:spcPct val="35000"/>
+            </a:spcAft>
+          </a:pPr>
+          <a:r>
+            <a:rPr lang="en-US" sz="2800" kern="1200" dirty="0" smtClean="0">
+              <a:solidFill>
+                <a:schemeClr val="bg1"/>
+              </a:solidFill>
+            </a:rPr>
+            <a:t>UI - SWING</a:t>
+          </a:r>
+          <a:endParaRPr lang="en-US" sz="2800" kern="1200" dirty="0">
+            <a:solidFill>
+              <a:schemeClr val="bg1"/>
+            </a:solidFill>
+          </a:endParaRPr>
+        </a:p>
+      </dsp:txBody>
+      <dsp:txXfrm>
+        <a:off x="5422274" y="578418"/>
+        <a:ext cx="2118215" cy="1856740"/>
+      </dsp:txXfrm>
+    </dsp:sp>
+  </dsp:spTree>
+</dsp:drawing>
+</file>
+
+<file path=ppt/diagrams/layout1.xml><?xml version="1.0" encoding="utf-8"?>
+<dgm:layoutDef xmlns:dgm="http://schemas.openxmlformats.org/drawingml/2006/diagram" xmlns:a="http://schemas.openxmlformats.org/drawingml/2006/main" uniqueId="urn:microsoft.com/office/officeart/2009/3/layout/StepUpProcess">
+  <dgm:title val=""/>
+  <dgm:desc val=""/>
+  <dgm:catLst>
+    <dgm:cat type="process" pri="1300"/>
+  </dgm:catLst>
+  <dgm:sampData>
+    <dgm:dataModel>
+      <dgm:ptLst>
+        <dgm:pt modelId="0" type="doc"/>
+        <dgm:pt modelId="10">
+          <dgm:prSet phldr="1"/>
+        </dgm:pt>
+        <dgm:pt modelId="20">
+          <dgm:prSet phldr="1"/>
+        </dgm:pt>
+        <dgm:pt modelId="30">
+          <dgm:prSet phldr="1"/>
+        </dgm:pt>
+      </dgm:ptLst>
+      <dgm:cxnLst>
+        <dgm:cxn modelId="60" srcId="0" destId="10" srcOrd="0" destOrd="0"/>
+        <dgm:cxn modelId="70" srcId="0" destId="20" srcOrd="1" destOrd="0"/>
+        <dgm:cxn modelId="80" srcId="0" destId="30" srcOrd="2" destOrd="0"/>
+      </dgm:cxnLst>
+      <dgm:bg/>
+      <dgm:whole/>
+    </dgm:dataModel>
+  </dgm:sampData>
+  <dgm:styleData>
+    <dgm:dataModel>
+      <dgm:ptLst>
+        <dgm:pt modelId="0" type="doc"/>
+        <dgm:pt modelId="10">
+          <dgm:prSet phldr="1"/>
+        </dgm:pt>
+        <dgm:pt modelId="20">
+          <dgm:prSet phldr="1"/>
+        </dgm:pt>
+      </dgm:ptLst>
+      <dgm:cxnLst>
+        <dgm:cxn modelId="60" srcId="0" destId="10" srcOrd="0" destOrd="0"/>
+        <dgm:cxn modelId="70" srcId="0" destId="20" srcOrd="1" destOrd="0"/>
+      </dgm:cxnLst>
+      <dgm:bg/>
+      <dgm:whole/>
+    </dgm:dataModel>
+  </dgm:styleData>
+  <dgm:clrData>
+    <dgm:dataModel>
+      <dgm:ptLst>
+        <dgm:pt modelId="0" type="doc"/>
+        <dgm:pt modelId="10">
+          <dgm:prSet phldr="1"/>
+        </dgm:pt>
+        <dgm:pt modelId="20">
+          <dgm:prSet phldr="1"/>
+        </dgm:pt>
+        <dgm:pt modelId="30">
+          <dgm:prSet phldr="1"/>
+        </dgm:pt>
+        <dgm:pt modelId="40">
+          <dgm:prSet phldr="1"/>
+        </dgm:pt>
+      </dgm:ptLst>
+      <dgm:cxnLst>
+        <dgm:cxn modelId="60" srcId="0" destId="10" srcOrd="0" destOrd="0"/>
+        <dgm:cxn modelId="70" srcId="0" destId="20" srcOrd="1" destOrd="0"/>
+        <dgm:cxn modelId="80" srcId="0" destId="30" srcOrd="2" destOrd="0"/>
+        <dgm:cxn modelId="90" srcId="0" destId="40" srcOrd="3" destOrd="0"/>
+      </dgm:cxnLst>
+      <dgm:bg/>
+      <dgm:whole/>
+    </dgm:dataModel>
+  </dgm:clrData>
+  <dgm:layoutNode name="rootnode">
+    <dgm:varLst>
+      <dgm:chMax/>
+      <dgm:chPref/>
+      <dgm:dir/>
+      <dgm:animLvl val="lvl"/>
+    </dgm:varLst>
+    <dgm:choose name="Name0">
+      <dgm:if name="Name1" func="var" arg="dir" op="equ" val="norm">
+        <dgm:alg type="snake">
+          <dgm:param type="grDir" val="bL"/>
+          <dgm:param type="flowDir" val="row"/>
+          <dgm:param type="off" val="off"/>
+          <dgm:param type="bkpt" val="fixed"/>
+          <dgm:param type="bkPtFixedVal" val="1"/>
+        </dgm:alg>
+      </dgm:if>
+      <dgm:else name="Name2">
+        <dgm:alg type="snake">
+          <dgm:param type="grDir" val="bR"/>
+          <dgm:param type="flowDir" val="row"/>
+          <dgm:param type="off" val="off"/>
+          <dgm:param type="bkpt" val="fixed"/>
+          <dgm:param type="bkPtFixedVal" val="1"/>
+        </dgm:alg>
+      </dgm:else>
+    </dgm:choose>
+    <dgm:shape xmlns:r="http://schemas.openxmlformats.org/officeDocument/2006/relationships" r:blip="">
+      <dgm:adjLst/>
+    </dgm:shape>
+    <dgm:constrLst>
+      <dgm:constr type="alignOff" forName="rootnode" val="1"/>
+      <dgm:constr type="primFontSz" for="des" ptType="node" op="equ" val="65"/>
+      <dgm:constr type="w" for="ch" forName="composite" refType="w"/>
+      <dgm:constr type="h" for="ch" forName="composite" refType="h"/>
+      <dgm:constr type="sp" refType="h" refFor="ch" refForName="composite" op="equ" fact="-0.765"/>
+      <dgm:constr type="w" for="ch" forName="sibTrans" refType="w" fact="0.103"/>
+      <dgm:constr type="h" for="ch" forName="sibTrans" refType="h" fact="0.103"/>
+    </dgm:constrLst>
+    <dgm:forEach name="nodesForEach" axis="ch" ptType="node">
+      <dgm:layoutNode name="composite">
+        <dgm:alg type="composite">
+          <dgm:param type="ar" val="0.861"/>
+        </dgm:alg>
+        <dgm:shape xmlns:r="http://schemas.openxmlformats.org/officeDocument/2006/relationships" r:blip="">
+          <dgm:adjLst/>
+        </dgm:shape>
+        <dgm:choose name="Name3">
+          <dgm:if name="Name4" func="var" arg="dir" op="equ" val="norm">
+            <dgm:constrLst>
+              <dgm:constr type="l" for="ch" forName="LShape" refType="w" fact="0"/>
+              <dgm:constr type="t" for="ch" forName="LShape" refType="h" fact="0.2347"/>
+              <dgm:constr type="w" for="ch" forName="LShape" refType="w" fact="0.998"/>
+              <dgm:constr type="h" for="ch" forName="LShape" refType="h" fact="0.5164"/>
+              <dgm:constr type="r" for="ch" forName="ParentText" refType="w"/>
+              <dgm:constr type="t" for="ch" forName="ParentText" refType="h" fact="0.32"/>
+              <dgm:constr type="w" for="ch" forName="ParentText" refType="w" fact="0.901"/>
+              <dgm:constr type="h" for="ch" forName="ParentText" refType="h" fact="0.68"/>
+              <dgm:constr type="l" for="ch" forName="Triangle" refType="w" fact="0.83"/>
+              <dgm:constr type="t" for="ch" forName="Triangle" refType="h" fact="0"/>
+              <dgm:constr type="w" for="ch" forName="Triangle" refType="w" fact="0.17"/>
+              <dgm:constr type="h" for="ch" forName="Triangle" refType="w" refFor="ch" refForName="Triangle"/>
+            </dgm:constrLst>
+          </dgm:if>
+          <dgm:else name="Name5">
+            <dgm:constrLst>
+              <dgm:constr type="l" for="ch" forName="LShape" refType="w" fact="0.002"/>
+              <dgm:constr type="t" for="ch" forName="LShape" refType="h" fact="0.2347"/>
+              <dgm:constr type="w" for="ch" forName="LShape" refType="w"/>
+              <dgm:constr type="h" for="ch" forName="LShape" refType="h" fact="0.5164"/>
+              <dgm:constr type="l" for="ch" forName="ParentText" refType="w" fact="0"/>
+              <dgm:constr type="t" for="ch" forName="ParentText" refType="h" fact="0.32"/>
+              <dgm:constr type="w" for="ch" forName="ParentText" refType="w" fact="0.902"/>
+              <dgm:constr type="h" for="ch" forName="ParentText" refType="h" fact="0.68"/>
+              <dgm:constr type="l" for="ch" forName="Triangle" refType="w" fact="0"/>
+              <dgm:constr type="t" for="ch" forName="Triangle" refType="h" fact="0"/>
+              <dgm:constr type="w" for="ch" forName="Triangle" refType="w" fact="0.17"/>
+              <dgm:constr type="h" for="ch" forName="Triangle" refType="w" refFor="ch" refForName="Triangle"/>
+            </dgm:constrLst>
+          </dgm:else>
+        </dgm:choose>
+        <dgm:layoutNode name="LShape" styleLbl="alignNode1">
+          <dgm:alg type="sp"/>
+          <dgm:choose name="Name6">
+            <dgm:if name="Name7" func="var" arg="dir" op="equ" val="norm">
+              <dgm:shape xmlns:r="http://schemas.openxmlformats.org/officeDocument/2006/relationships" rot="90" type="corner" r:blip="">
+                <dgm:adjLst>
+                  <dgm:adj idx="1" val="0.1612"/>
+                  <dgm:adj idx="2" val="0.1611"/>
+                </dgm:adjLst>
+              </dgm:shape>
+            </dgm:if>
+            <dgm:else name="Name8">
+              <dgm:shape xmlns:r="http://schemas.openxmlformats.org/officeDocument/2006/relationships" rot="180" type="corner" r:blip="">
+                <dgm:adjLst>
+                  <dgm:adj idx="1" val="0.1612"/>
+                  <dgm:adj idx="2" val="0.1611"/>
+                </dgm:adjLst>
+              </dgm:shape>
+            </dgm:else>
+          </dgm:choose>
+          <dgm:presOf/>
+        </dgm:layoutNode>
+        <dgm:layoutNode name="ParentText" styleLbl="revTx">
+          <dgm:varLst>
+            <dgm:chMax val="0"/>
+            <dgm:chPref val="0"/>
+            <dgm:bulletEnabled val="1"/>
+          </dgm:varLst>
+          <dgm:alg type="tx">
+            <dgm:param type="parTxLTRAlign" val="l"/>
+            <dgm:param type="txAnchorVert" val="t"/>
+          </dgm:alg>
+          <dgm:shape xmlns:r="http://schemas.openxmlformats.org/officeDocument/2006/relationships" type="rect" r:blip="">
+            <dgm:adjLst/>
+          </dgm:shape>
+          <dgm:presOf axis="desOrSelf" ptType="node"/>
+          <dgm:constrLst>
+            <dgm:constr type="lMarg" refType="primFontSz" fact="0.3"/>
+            <dgm:constr type="rMarg" refType="primFontSz" fact="0.3"/>
+            <dgm:constr type="tMarg" refType="primFontSz" fact="0.3"/>
+            <dgm:constr type="bMarg" refType="primFontSz" fact="0.3"/>
+          </dgm:constrLst>
+          <dgm:ruleLst>
+            <dgm:rule type="primFontSz" val="5" fact="NaN" max="NaN"/>
+          </dgm:ruleLst>
+        </dgm:layoutNode>
+        <dgm:choose name="Name9">
+          <dgm:if name="Name10" axis="followSib" ptType="node" func="cnt" op="gte" val="1">
+            <dgm:layoutNode name="Triangle" styleLbl="alignNode1">
+              <dgm:alg type="sp"/>
+              <dgm:choose name="Name11">
+                <dgm:if name="Name12" func="var" arg="dir" op="equ" val="norm">
+                  <dgm:shape xmlns:r="http://schemas.openxmlformats.org/officeDocument/2006/relationships" type="triangle" r:blip="">
+                    <dgm:adjLst>
+                      <dgm:adj idx="1" val="1"/>
+                    </dgm:adjLst>
+                  </dgm:shape>
+                </dgm:if>
+                <dgm:else name="Name13">
+                  <dgm:shape xmlns:r="http://schemas.openxmlformats.org/officeDocument/2006/relationships" rot="90" type="triangle" r:blip="">
+                    <dgm:adjLst>
+                      <dgm:adj idx="1" val="1"/>
+                    </dgm:adjLst>
+                  </dgm:shape>
+                </dgm:else>
+              </dgm:choose>
+              <dgm:presOf/>
+            </dgm:layoutNode>
+          </dgm:if>
+          <dgm:else name="Name14"/>
+        </dgm:choose>
+      </dgm:layoutNode>
+      <dgm:forEach name="sibTransForEach" axis="followSib" ptType="sibTrans" cnt="1">
+        <dgm:layoutNode name="sibTrans">
+          <dgm:alg type="composite">
+            <dgm:param type="ar" val="0.861"/>
+          </dgm:alg>
+          <dgm:constrLst>
+            <dgm:constr type="w" for="ch" forName="space" refType="w"/>
+            <dgm:constr type="h" for="ch" forName="space" refType="w"/>
+          </dgm:constrLst>
+          <dgm:layoutNode name="space" styleLbl="alignNode1">
+            <dgm:alg type="sp"/>
+            <dgm:shape xmlns:r="http://schemas.openxmlformats.org/officeDocument/2006/relationships" r:blip="">
+              <dgm:adjLst/>
+            </dgm:shape>
+            <dgm:presOf/>
+          </dgm:layoutNode>
+        </dgm:layoutNode>
+      </dgm:forEach>
+    </dgm:forEach>
+  </dgm:layoutNode>
+</dgm:layoutDef>
+</file>
+
+<file path=ppt/diagrams/quickStyle1.xml><?xml version="1.0" encoding="utf-8"?>
+<dgm:styleDef xmlns:dgm="http://schemas.openxmlformats.org/drawingml/2006/diagram" xmlns:a="http://schemas.openxmlformats.org/drawingml/2006/main" uniqueId="urn:microsoft.com/office/officeart/2005/8/quickstyle/3d6">
+  <dgm:title val=""/>
+  <dgm:desc val=""/>
+  <dgm:catLst>
+    <dgm:cat type="3D" pri="11600"/>
+  </dgm:catLst>
+  <dgm:scene3d>
+    <a:camera prst="perspectiveRelaxedModerately" zoom="92000"/>
+    <a:lightRig rig="balanced" dir="t">
+      <a:rot lat="0" lon="0" rev="12700000"/>
+    </a:lightRig>
+  </dgm:scene3d>
+  <dgm:styleLbl name="node0">
+    <dgm:scene3d>
+      <a:camera prst="orthographicFront"/>
+      <a:lightRig rig="threePt" dir="t"/>
+    </dgm:scene3d>
+    <dgm:sp3d prstMaterial="plastic">
+      <a:bevelT w="50800" h="50800"/>
+      <a:bevelB w="50800" h="50800"/>
+    </dgm:sp3d>
+    <dgm:txPr/>
+    <dgm:style>
+      <a:lnRef idx="0">
+        <a:scrgbClr r="0" g="0" b="0"/>
+      </a:lnRef>
+      <a:fillRef idx="1">
+        <a:scrgbClr r="0" g="0" b="0"/>
+      </a:fillRef>
+      <a:effectRef idx="2">
+        <a:scrgbClr r="0" g="0" b="0"/>
+      </a:effectRef>
+      <a:fontRef idx="minor">
+        <a:schemeClr val="lt1"/>
+      </a:fontRef>
+    </dgm:style>
+  </dgm:styleLbl>
+  <dgm:styleLbl name="lnNode1">
+    <dgm:scene3d>
+      <a:camera prst="orthographicFront"/>
+      <a:lightRig rig="threePt" dir="t"/>
+    </dgm:scene3d>
+    <dgm:sp3d prstMaterial="plastic">
+      <a:bevelT w="50800" h="50800"/>
+      <a:bevelB w="50800" h="50800"/>
+    </dgm:sp3d>
+    <dgm:txPr/>
+    <dgm:style>
+      <a:lnRef idx="0">
+        <a:scrgbClr r="0" g="0" b="0"/>
+      </a:lnRef>
+      <a:fillRef idx="1">
+        <a:scrgbClr r="0" g="0" b="0"/>
+      </a:fillRef>
+      <a:effectRef idx="2">
+        <a:scrgbClr r="0" g="0" b="0"/>
+      </a:effectRef>
+      <a:fontRef idx="minor">
+        <a:schemeClr val="lt1"/>
+      </a:fontRef>
+    </dgm:style>
+  </dgm:styleLbl>
+  <dgm:styleLbl name="vennNode1">
+    <dgm:scene3d>
+      <a:camera prst="orthographicFront"/>
+      <a:lightRig rig="threePt" dir="t"/>
+    </dgm:scene3d>
+    <dgm:sp3d prstMaterial="plastic">
+      <a:bevelT w="50800" h="50800"/>
+      <a:bevelB w="50800" h="50800"/>
+    </dgm:sp3d>
+    <dgm:txPr/>
+    <dgm:style>
+      <a:lnRef idx="0">
+        <a:scrgbClr r="0" g="0" b="0"/>
+      </a:lnRef>
+      <a:fillRef idx="1">
+        <a:scrgbClr r="0" g="0" b="0"/>
+      </a:fillRef>
+      <a:effectRef idx="2">
+        <a:scrgbClr r="0" g="0" b="0"/>
+      </a:effectRef>
+      <a:fontRef idx="minor">
+        <a:schemeClr val="tx1"/>
+      </a:fontRef>
+    </dgm:style>
+  </dgm:styleLbl>
+  <dgm:styleLbl name="alignNode1">
+    <dgm:scene3d>
+      <a:camera prst="orthographicFront"/>
+      <a:lightRig rig="threePt" dir="t"/>
+    </dgm:scene3d>
+    <dgm:sp3d prstMaterial="plastic">
+      <a:bevelT w="50800" h="50800"/>
+      <a:bevelB w="50800" h="50800"/>
+    </dgm:sp3d>
+    <dgm:txPr/>
+    <dgm:style>
+      <a:lnRef idx="1">
+        <a:scrgbClr r="0" g="0" b="0"/>
+      </a:lnRef>
+      <a:fillRef idx="1">
+        <a:scrgbClr r="0" g="0" b="0"/>
+      </a:fillRef>
+      <a:effectRef idx="2">
+        <a:scrgbClr r="0" g="0" b="0"/>
+      </a:effectRef>
+      <a:fontRef idx="minor">
+        <a:schemeClr val="lt1"/>
+      </a:fontRef>
+    </dgm:style>
+  </dgm:styleLbl>
+  <dgm:styleLbl name="node1">
+    <dgm:scene3d>
+      <a:camera prst="orthographicFront"/>
+      <a:lightRig rig="threePt" dir="t"/>
+    </dgm:scene3d>
+    <dgm:sp3d prstMaterial="plastic">
+      <a:bevelT w="50800" h="50800"/>
+      <a:bevelB w="50800" h="50800"/>
+    </dgm:sp3d>
+    <dgm:txPr/>
+    <dgm:style>
+      <a:lnRef idx="0">
+        <a:scrgbClr r="0" g="0" b="0"/>
+      </a:lnRef>
+      <a:fillRef idx="1">
+        <a:scrgbClr r="0" g="0" b="0"/>
+      </a:fillRef>
+      <a:effectRef idx="2">
+        <a:scrgbClr r="0" g="0" b="0"/>
+      </a:effectRef>
+      <a:fontRef idx="minor">
+        <a:schemeClr val="lt1"/>
+      </a:fontRef>
+    </dgm:style>
+  </dgm:styleLbl>
+  <dgm:styleLbl name="node2">
+    <dgm:scene3d>
+      <a:camera prst="orthographicFront"/>
+      <a:lightRig rig="threePt" dir="t"/>
+    </dgm:scene3d>
+    <dgm:sp3d prstMaterial="plastic">
+      <a:bevelT w="50800" h="50800"/>
+      <a:bevelB w="50800" h="50800"/>
+    </dgm:sp3d>
+    <dgm:txPr/>
+    <dgm:style>
+      <a:lnRef idx="0">
+        <a:scrgbClr r="0" g="0" b="0"/>
+      </a:lnRef>
+      <a:fillRef idx="1">
+        <a:scrgbClr r="0" g="0" b="0"/>
+      </a:fillRef>
+      <a:effectRef idx="2">
+        <a:scrgbClr r="0" g="0" b="0"/>
+      </a:effectRef>
+      <a:fontRef idx="minor">
+        <a:schemeClr val="lt1"/>
+      </a:fontRef>
+    </dgm:style>
+  </dgm:styleLbl>
+  <dgm:styleLbl name="node3">
+    <dgm:scene3d>
+      <a:camera prst="orthographicFront"/>
+      <a:lightRig rig="threePt" dir="t"/>
+    </dgm:scene3d>
+    <dgm:sp3d prstMaterial="plastic">
+      <a:bevelT w="50800" h="50800"/>
+      <a:bevelB w="50800" h="50800"/>
+    </dgm:sp3d>
+    <dgm:txPr/>
+    <dgm:style>
+      <a:lnRef idx="0">
+        <a:scrgbClr r="0" g="0" b="0"/>
+      </a:lnRef>
+      <a:fillRef idx="1">
+        <a:scrgbClr r="0" g="0" b="0"/>
+      </a:fillRef>
+      <a:effectRef idx="2">
+        <a:scrgbClr r="0" g="0" b="0"/>
+      </a:effectRef>
+      <a:fontRef idx="minor">
+        <a:schemeClr val="lt1"/>
+      </a:fontRef>
+    </dgm:style>
+  </dgm:styleLbl>
+  <dgm:styleLbl name="node4">
+    <dgm:scene3d>
+      <a:camera prst="orthographicFront"/>
+      <a:lightRig rig="threePt" dir="t"/>
+    </dgm:scene3d>
+    <dgm:sp3d prstMaterial="plastic">
+      <a:bevelT w="50800" h="50800"/>
+      <a:bevelB w="50800" h="50800"/>
+    </dgm:sp3d>
+    <dgm:txPr/>
+    <dgm:style>
+      <a:lnRef idx="0">
+        <a:scrgbClr r="0" g="0" b="0"/>
+      </a:lnRef>
+      <a:fillRef idx="1">
+        <a:scrgbClr r="0" g="0" b="0"/>
+      </a:fillRef>
+      <a:effectRef idx="2">
+        <a:scrgbClr r="0" g="0" b="0"/>
+      </a:effectRef>
+      <a:fontRef idx="minor">
+        <a:schemeClr val="lt1"/>
+      </a:fontRef>
+    </dgm:style>
+  </dgm:styleLbl>
+  <dgm:styleLbl name="fgImgPlace1">
+    <dgm:scene3d>
+      <a:camera prst="orthographicFront"/>
+      <a:lightRig rig="threePt" dir="t"/>
+    </dgm:scene3d>
+    <dgm:sp3d z="50080" prstMaterial="plastic">
+      <a:bevelT w="50800" h="50800"/>
+      <a:bevelB w="50800" h="50800"/>
+    </dgm:sp3d>
+    <dgm:txPr/>
+    <dgm:style>
+      <a:lnRef idx="0">
+        <a:scrgbClr r="0" g="0" b="0"/>
+      </a:lnRef>
+      <a:fillRef idx="1">
+        <a:scrgbClr r="0" g="0" b="0"/>
+      </a:fillRef>
+      <a:effectRef idx="2">
+        <a:scrgbClr r="0" g="0" b="0"/>
+      </a:effectRef>
+      <a:fontRef idx="minor"/>
+    </dgm:style>
+  </dgm:styleLbl>
+  <dgm:styleLbl name="alignImgPlace1">
+    <dgm:scene3d>
+      <a:camera prst="orthographicFront"/>
+      <a:lightRig rig="threePt" dir="t"/>
+    </dgm:scene3d>
+    <dgm:sp3d prstMaterial="plastic">
+      <a:bevelT w="50800" h="50800"/>
+      <a:bevelB w="50800" h="50800"/>
+    </dgm:sp3d>
+    <dgm:txPr/>
+    <dgm:style>
+      <a:lnRef idx="0">
+        <a:scrgbClr r="0" g="0" b="0"/>
+      </a:lnRef>
+      <a:fillRef idx="1">
+        <a:scrgbClr r="0" g="0" b="0"/>
+      </a:fillRef>
+      <a:effectRef idx="2">
+        <a:scrgbClr r="0" g="0" b="0"/>
+      </a:effectRef>
+      <a:fontRef idx="minor"/>
+    </dgm:style>
+  </dgm:styleLbl>
+  <dgm:styleLbl name="bgImgPlace1">
+    <dgm:scene3d>
+      <a:camera prst="orthographicFront"/>
+      <a:lightRig rig="threePt" dir="t"/>
+    </dgm:scene3d>
+    <dgm:sp3d z="-54000" prstMaterial="plastic">
+      <a:bevelT w="50800" h="50800"/>
+      <a:bevelB w="50800" h="50800"/>
+    </dgm:sp3d>
+    <dgm:txPr/>
+    <dgm:style>
+      <a:lnRef idx="0">
+        <a:scrgbClr r="0" g="0" b="0"/>
+      </a:lnRef>
+      <a:fillRef idx="1">
+        <a:scrgbClr r="0" g="0" b="0"/>
+      </a:fillRef>
+      <a:effectRef idx="2">
+        <a:scrgbClr r="0" g="0" b="0"/>
+      </a:effectRef>
+      <a:fontRef idx="minor"/>
+    </dgm:style>
+  </dgm:styleLbl>
+  <dgm:styleLbl name="sibTrans2D1">
+    <dgm:scene3d>
+      <a:camera prst="orthographicFront"/>
+      <a:lightRig rig="threePt" dir="t"/>
+    </dgm:scene3d>
+    <dgm:sp3d z="-25400" prstMaterial="plastic">
+      <a:bevelT w="25400" h="25400"/>
+      <a:bevelB w="25400" h="25400"/>
+    </dgm:sp3d>
+    <dgm:txPr/>
+    <dgm:style>
+      <a:lnRef idx="1">
+        <a:scrgbClr r="0" g="0" b="0"/>
+      </a:lnRef>
+      <a:fillRef idx="1">
+        <a:scrgbClr r="0" g="0" b="0"/>
+      </a:fillRef>
+      <a:effectRef idx="2">
+        <a:scrgbClr r="0" g="0" b="0"/>
+      </a:effectRef>
+      <a:fontRef idx="minor">
+        <a:schemeClr val="lt1"/>
+      </a:fontRef>
+    </dgm:style>
+  </dgm:styleLbl>
+  <dgm:styleLbl name="fgSibTrans2D1">
+    <dgm:scene3d>
+      <a:camera prst="orthographicFront"/>
+      <a:lightRig rig="threePt" dir="t"/>
+    </dgm:scene3d>
+    <dgm:sp3d z="50080" prstMaterial="plastic">
+      <a:bevelT w="25400" h="25400"/>
+      <a:bevelB w="25400" h="25400"/>
+    </dgm:sp3d>
+    <dgm:txPr/>
+    <dgm:style>
+      <a:lnRef idx="1">
+        <a:scrgbClr r="0" g="0" b="0"/>
+      </a:lnRef>
+      <a:fillRef idx="1">
+        <a:scrgbClr r="0" g="0" b="0"/>
+      </a:fillRef>
+      <a:effectRef idx="2">
+        <a:scrgbClr r="0" g="0" b="0"/>
+      </a:effectRef>
+      <a:fontRef idx="minor">
+        <a:schemeClr val="lt1"/>
+      </a:fontRef>
+    </dgm:style>
+  </dgm:styleLbl>
+  <dgm:styleLbl name="bgSibTrans2D1">
+    <dgm:scene3d>
+      <a:camera prst="orthographicFront"/>
+      <a:lightRig rig="threePt" dir="t"/>
+    </dgm:scene3d>
+    <dgm:sp3d z="-54080" prstMaterial="plastic">
+      <a:bevelT w="25400" h="25400"/>
+      <a:bevelB w="25400" h="25400"/>
+    </dgm:sp3d>
+    <dgm:txPr/>
+    <dgm:style>
+      <a:lnRef idx="1">
+        <a:scrgbClr r="0" g="0" b="0"/>
+      </a:lnRef>
+      <a:fillRef idx="1">
+        <a:scrgbClr r="0" g="0" b="0"/>
+      </a:fillRef>
+      <a:effectRef idx="2">
+        <a:scrgbClr r="0" g="0" b="0"/>
+      </a:effectRef>
+      <a:fontRef idx="minor">
+        <a:schemeClr val="lt1"/>
+      </a:fontRef>
+    </dgm:style>
+  </dgm:styleLbl>
+  <dgm:styleLbl name="sibTrans1D1">
+    <dgm:scene3d>
+      <a:camera prst="orthographicFront"/>
+      <a:lightRig rig="threePt" dir="t"/>
+    </dgm:scene3d>
+    <dgm:sp3d z="-25400" prstMaterial="plastic"/>
+    <dgm:txPr/>
+    <dgm:style>
+      <a:lnRef idx="1">
+        <a:scrgbClr r="0" g="0" b="0"/>
+      </a:lnRef>
+      <a:fillRef idx="0">
+        <a:scrgbClr r="0" g="0" b="0"/>
+      </a:fillRef>
+      <a:effectRef idx="0">
+        <a:scrgbClr r="0" g="0" b="0"/>
+      </a:effectRef>
+      <a:fontRef idx="minor"/>
+    </dgm:style>
+  </dgm:styleLbl>
+  <dgm:styleLbl name="callout">
+    <dgm:scene3d>
+      <a:camera prst="orthographicFront"/>
+      <a:lightRig rig="threePt" dir="t"/>
+    </dgm:scene3d>
+    <dgm:sp3d z="75000" prstMaterial="plastic"/>
+    <dgm:txPr/>
+    <dgm:style>
+      <a:lnRef idx="2">
+        <a:scrgbClr r="0" g="0" b="0"/>
+      </a:lnRef>
+      <a:fillRef idx="1">
+        <a:scrgbClr r="0" g="0" b="0"/>
+      </a:fillRef>
+      <a:effectRef idx="0">
+        <a:scrgbClr r="0" g="0" b="0"/>
+      </a:effectRef>
+      <a:fontRef idx="minor"/>
+    </dgm:style>
+  </dgm:styleLbl>
+  <dgm:styleLbl name="asst0">
+    <dgm:scene3d>
+      <a:camera prst="orthographicFront"/>
+      <a:lightRig rig="threePt" dir="t"/>
+    </dgm:scene3d>
+    <dgm:sp3d prstMaterial="plastic">
+      <a:bevelT w="50800" h="50800"/>
+      <a:bevelB w="50800" h="50800"/>
+    </dgm:sp3d>
+    <dgm:txPr/>
+    <dgm:style>
+      <a:lnRef idx="0">
+        <a:scrgbClr r="0" g="0" b="0"/>
+      </a:lnRef>
+      <a:fillRef idx="1">
+        <a:scrgbClr r="0" g="0" b="0"/>
+      </a:fillRef>
+      <a:effectRef idx="2">
+        <a:scrgbClr r="0" g="0" b="0"/>
+      </a:effectRef>
+      <a:fontRef idx="minor">
+        <a:schemeClr val="lt1"/>
+      </a:fontRef>
+    </dgm:style>
+  </dgm:styleLbl>
+  <dgm:styleLbl name="asst1">
+    <dgm:scene3d>
+      <a:camera prst="orthographicFront"/>
+      <a:lightRig rig="threePt" dir="t"/>
+    </dgm:scene3d>
+    <dgm:sp3d prstMaterial="plastic">
+      <a:bevelT w="50800" h="50800"/>
+      <a:bevelB w="50800" h="50800"/>
+    </dgm:sp3d>
+    <dgm:txPr/>
+    <dgm:style>
+      <a:lnRef idx="0">
+        <a:scrgbClr r="0" g="0" b="0"/>
+      </a:lnRef>
+      <a:fillRef idx="1">
+        <a:scrgbClr r="0" g="0" b="0"/>
+      </a:fillRef>
+      <a:effectRef idx="2">
+        <a:scrgbClr r="0" g="0" b="0"/>
+      </a:effectRef>
+      <a:fontRef idx="minor">
+        <a:schemeClr val="lt1"/>
+      </a:fontRef>
+    </dgm:style>
+  </dgm:styleLbl>
+  <dgm:styleLbl name="asst2">
+    <dgm:scene3d>
+      <a:camera prst="orthographicFront"/>
+      <a:lightRig rig="threePt" dir="t"/>
+    </dgm:scene3d>
+    <dgm:sp3d prstMaterial="plastic">
+      <a:bevelT w="50800" h="50800"/>
+      <a:bevelB w="50800" h="50800"/>
+    </dgm:sp3d>
+    <dgm:txPr/>
+    <dgm:style>
+      <a:lnRef idx="0">
+        <a:scrgbClr r="0" g="0" b="0"/>
+      </a:lnRef>
+      <a:fillRef idx="1">
+        <a:scrgbClr r="0" g="0" b="0"/>
+      </a:fillRef>
+      <a:effectRef idx="2">
+        <a:scrgbClr r="0" g="0" b="0"/>
+      </a:effectRef>
+      <a:fontRef idx="minor">
+        <a:schemeClr val="lt1"/>
+      </a:fontRef>
+    </dgm:style>
+  </dgm:styleLbl>
+  <dgm:styleLbl name="asst3">
+    <dgm:scene3d>
+      <a:camera prst="orthographicFront"/>
+      <a:lightRig rig="threePt" dir="t"/>
+    </dgm:scene3d>
+    <dgm:sp3d prstMaterial="plastic">
+      <a:bevelT w="50800" h="50800"/>
+      <a:bevelB w="50800" h="50800"/>
+    </dgm:sp3d>
+    <dgm:txPr/>
+    <dgm:style>
+      <a:lnRef idx="0">
+        <a:scrgbClr r="0" g="0" b="0"/>
+      </a:lnRef>
+      <a:fillRef idx="1">
+        <a:scrgbClr r="0" g="0" b="0"/>
+      </a:fillRef>
+      <a:effectRef idx="2">
+        <a:scrgbClr r="0" g="0" b="0"/>
+      </a:effectRef>
+      <a:fontRef idx="minor">
+        <a:schemeClr val="lt1"/>
+      </a:fontRef>
+    </dgm:style>
+  </dgm:styleLbl>
+  <dgm:styleLbl name="parChTrans2D1">
+    <dgm:scene3d>
+      <a:camera prst="orthographicFront"/>
+      <a:lightRig rig="threePt" dir="t"/>
+    </dgm:scene3d>
+    <dgm:sp3d z="-25400" prstMaterial="plastic">
+      <a:bevelT w="25400" h="25400"/>
+      <a:bevelB w="25400" h="25400"/>
+    </dgm:sp3d>
+    <dgm:txPr/>
+    <dgm:style>
+      <a:lnRef idx="0">
+        <a:scrgbClr r="0" g="0" b="0"/>
+      </a:lnRef>
+      <a:fillRef idx="1">
+        <a:scrgbClr r="0" g="0" b="0"/>
+      </a:fillRef>
+      <a:effectRef idx="2">
+        <a:scrgbClr r="0" g="0" b="0"/>
+      </a:effectRef>
+      <a:fontRef idx="minor">
+        <a:schemeClr val="lt1"/>
+      </a:fontRef>
+    </dgm:style>
+  </dgm:styleLbl>
+  <dgm:styleLbl name="parChTrans2D2">
+    <dgm:scene3d>
+      <a:camera prst="orthographicFront"/>
+      <a:lightRig rig="threePt" dir="t"/>
+    </dgm:scene3d>
+    <dgm:sp3d z="-25400" prstMaterial="plastic">
+      <a:bevelT w="25400" h="25400"/>
+      <a:bevelB w="25400" h="25400"/>
+    </dgm:sp3d>
+    <dgm:txPr/>
+    <dgm:style>
+      <a:lnRef idx="0">
+        <a:scrgbClr r="0" g="0" b="0"/>
+      </a:lnRef>
+      <a:fillRef idx="1">
+        <a:scrgbClr r="0" g="0" b="0"/>
+      </a:fillRef>
+      <a:effectRef idx="2">
+        <a:scrgbClr r="0" g="0" b="0"/>
+      </a:effectRef>
+      <a:fontRef idx="minor">
+        <a:schemeClr val="lt1"/>
+      </a:fontRef>
+    </dgm:style>
+  </dgm:styleLbl>
+  <dgm:styleLbl name="parChTrans2D3">
+    <dgm:scene3d>
+      <a:camera prst="orthographicFront"/>
+      <a:lightRig rig="threePt" dir="t"/>
+    </dgm:scene3d>
+    <dgm:sp3d z="-25400" prstMaterial="plastic">
+      <a:bevelT w="25400" h="25400"/>
+      <a:bevelB w="25400" h="25400"/>
+    </dgm:sp3d>
+    <dgm:txPr/>
+    <dgm:style>
+      <a:lnRef idx="0">
+        <a:scrgbClr r="0" g="0" b="0"/>
+      </a:lnRef>
+      <a:fillRef idx="1">
+        <a:scrgbClr r="0" g="0" b="0"/>
+      </a:fillRef>
+      <a:effectRef idx="2">
+        <a:scrgbClr r="0" g="0" b="0"/>
+      </a:effectRef>
+      <a:fontRef idx="minor">
+        <a:schemeClr val="lt1"/>
+      </a:fontRef>
+    </dgm:style>
+  </dgm:styleLbl>
+  <dgm:styleLbl name="parChTrans2D4">
+    <dgm:scene3d>
+      <a:camera prst="orthographicFront"/>
+      <a:lightRig rig="threePt" dir="t"/>
+    </dgm:scene3d>
+    <dgm:sp3d z="-25400" prstMaterial="plastic">
+      <a:bevelT w="25400" h="25400"/>
+      <a:bevelB w="25400" h="25400"/>
+    </dgm:sp3d>
+    <dgm:txPr/>
+    <dgm:style>
+      <a:lnRef idx="0">
+        <a:scrgbClr r="0" g="0" b="0"/>
+      </a:lnRef>
+      <a:fillRef idx="1">
+        <a:scrgbClr r="0" g="0" b="0"/>
+      </a:fillRef>
+      <a:effectRef idx="2">
+        <a:scrgbClr r="0" g="0" b="0"/>
+      </a:effectRef>
+      <a:fontRef idx="minor">
+        <a:schemeClr val="lt1"/>
+      </a:fontRef>
+    </dgm:style>
+  </dgm:styleLbl>
+  <dgm:styleLbl name="parChTrans1D1">
+    <dgm:scene3d>
+      <a:camera prst="orthographicFront"/>
+      <a:lightRig rig="threePt" dir="t"/>
+    </dgm:scene3d>
+    <dgm:sp3d z="-25400" prstMaterial="plastic"/>
+    <dgm:txPr/>
+    <dgm:style>
+      <a:lnRef idx="2">
+        <a:scrgbClr r="0" g="0" b="0"/>
+      </a:lnRef>
+      <a:fillRef idx="0">
+        <a:scrgbClr r="0" g="0" b="0"/>
+      </a:fillRef>
+      <a:effectRef idx="0">
+        <a:scrgbClr r="0" g="0" b="0"/>
+      </a:effectRef>
+      <a:fontRef idx="minor">
+        <a:schemeClr val="tx1"/>
+      </a:fontRef>
+    </dgm:style>
+  </dgm:styleLbl>
+  <dgm:styleLbl name="parChTrans1D2">
+    <dgm:scene3d>
+      <a:camera prst="orthographicFront"/>
+      <a:lightRig rig="threePt" dir="t"/>
+    </dgm:scene3d>
+    <dgm:sp3d z="-25400" prstMaterial="plastic"/>
+    <dgm:txPr/>
+    <dgm:style>
+      <a:lnRef idx="2">
+        <a:scrgbClr r="0" g="0" b="0"/>
+      </a:lnRef>
+      <a:fillRef idx="0">
+        <a:scrgbClr r="0" g="0" b="0"/>
+      </a:fillRef>
+      <a:effectRef idx="0">
+        <a:scrgbClr r="0" g="0" b="0"/>
+      </a:effectRef>
+      <a:fontRef idx="minor">
+        <a:schemeClr val="tx1"/>
+      </a:fontRef>
+    </dgm:style>
+  </dgm:styleLbl>
+  <dgm:styleLbl name="parChTrans1D3">
+    <dgm:scene3d>
+      <a:camera prst="orthographicFront"/>
+      <a:lightRig rig="threePt" dir="t"/>
+    </dgm:scene3d>
+    <dgm:sp3d z="-25400" prstMaterial="plastic"/>
+    <dgm:txPr/>
+    <dgm:style>
+      <a:lnRef idx="2">
+        <a:scrgbClr r="0" g="0" b="0"/>
+      </a:lnRef>
+      <a:fillRef idx="0">
+        <a:scrgbClr r="0" g="0" b="0"/>
+      </a:fillRef>
+      <a:effectRef idx="0">
+        <a:scrgbClr r="0" g="0" b="0"/>
+      </a:effectRef>
+      <a:fontRef idx="minor">
+        <a:schemeClr val="tx1"/>
+      </a:fontRef>
+    </dgm:style>
+  </dgm:styleLbl>
+  <dgm:styleLbl name="parChTrans1D4">
+    <dgm:scene3d>
+      <a:camera prst="orthographicFront"/>
+      <a:lightRig rig="threePt" dir="t"/>
+    </dgm:scene3d>
+    <dgm:sp3d z="-25400" prstMaterial="plastic"/>
+    <dgm:txPr/>
+    <dgm:style>
+      <a:lnRef idx="2">
+        <a:scrgbClr r="0" g="0" b="0"/>
+      </a:lnRef>
+      <a:fillRef idx="0">
+        <a:scrgbClr r="0" g="0" b="0"/>
+      </a:fillRef>
+      <a:effectRef idx="0">
+        <a:scrgbClr r="0" g="0" b="0"/>
+      </a:effectRef>
+      <a:fontRef idx="minor">
+        <a:schemeClr val="tx1"/>
+      </a:fontRef>
+    </dgm:style>
+  </dgm:styleLbl>
+  <dgm:styleLbl name="fgAcc1">
+    <dgm:scene3d>
+      <a:camera prst="orthographicFront"/>
+      <a:lightRig rig="threePt" dir="t"/>
+    </dgm:scene3d>
+    <dgm:sp3d z="50080" prstMaterial="plastic">
+      <a:bevelT w="25400" h="25400"/>
+      <a:bevelB w="25400" h="25400"/>
+    </dgm:sp3d>
+    <dgm:txPr/>
+    <dgm:style>
+      <a:lnRef idx="1">
+        <a:scrgbClr r="0" g="0" b="0"/>
+      </a:lnRef>
+      <a:fillRef idx="1">
+        <a:scrgbClr r="0" g="0" b="0"/>
+      </a:fillRef>
+      <a:effectRef idx="2">
+        <a:scrgbClr r="0" g="0" b="0"/>
+      </a:effectRef>
+      <a:fontRef idx="minor"/>
+    </dgm:style>
+  </dgm:styleLbl>
+  <dgm:styleLbl name="conFgAcc1">
+    <dgm:scene3d>
+      <a:camera prst="orthographicFront"/>
+      <a:lightRig rig="threePt" dir="t"/>
+    </dgm:scene3d>
+    <dgm:sp3d z="-152400" prstMaterial="plastic">
+      <a:bevelT w="25400" h="25400"/>
+      <a:bevelB w="25400" h="25400"/>
+    </dgm:sp3d>
+    <dgm:txPr/>
+    <dgm:style>
+      <a:lnRef idx="1">
+        <a:scrgbClr r="0" g="0" b="0"/>
+      </a:lnRef>
+      <a:fillRef idx="1">
+        <a:scrgbClr r="0" g="0" b="0"/>
+      </a:fillRef>
+      <a:effectRef idx="2">
+        <a:scrgbClr r="0" g="0" b="0"/>
+      </a:effectRef>
+      <a:fontRef idx="minor"/>
+    </dgm:style>
+  </dgm:styleLbl>
+  <dgm:styleLbl name="alignAcc1">
+    <dgm:scene3d>
+      <a:camera prst="orthographicFront"/>
+      <a:lightRig rig="threePt" dir="t"/>
+    </dgm:scene3d>
+    <dgm:sp3d prstMaterial="plastic">
+      <a:bevelT w="25400" h="25400"/>
+      <a:bevelB w="25400" h="25400"/>
+    </dgm:sp3d>
+    <dgm:txPr/>
+    <dgm:style>
+      <a:lnRef idx="1">
+        <a:scrgbClr r="0" g="0" b="0"/>
+      </a:lnRef>
+      <a:fillRef idx="1">
+        <a:scrgbClr r="0" g="0" b="0"/>
+      </a:fillRef>
+      <a:effectRef idx="2">
+        <a:scrgbClr r="0" g="0" b="0"/>
+      </a:effectRef>
+      <a:fontRef idx="minor"/>
+    </dgm:style>
+  </dgm:styleLbl>
+  <dgm:styleLbl name="trAlignAcc1">
+    <dgm:scene3d>
+      <a:camera prst="orthographicFront"/>
+      <a:lightRig rig="threePt" dir="t"/>
+    </dgm:scene3d>
+    <dgm:sp3d prstMaterial="plastic">
+      <a:bevelT w="50800" h="50800"/>
+      <a:bevelB w="50800" h="50800"/>
+    </dgm:sp3d>
+    <dgm:txPr/>
+    <dgm:style>
+      <a:lnRef idx="1">
+        <a:scrgbClr r="0" g="0" b="0"/>
+      </a:lnRef>
+      <a:fillRef idx="1">
+        <a:scrgbClr r="0" g="0" b="0"/>
+      </a:fillRef>
+      <a:effectRef idx="2">
+        <a:scrgbClr r="0" g="0" b="0"/>
+      </a:effectRef>
+      <a:fontRef idx="minor"/>
+    </dgm:style>
+  </dgm:styleLbl>
+  <dgm:styleLbl name="bgAcc1">
+    <dgm:scene3d>
+      <a:camera prst="orthographicFront"/>
+      <a:lightRig rig="threePt" dir="t"/>
+    </dgm:scene3d>
+    <dgm:sp3d z="-152400" prstMaterial="plastic">
+      <a:bevelT w="25400" h="25400"/>
+      <a:bevelB w="25400" h="25400"/>
+    </dgm:sp3d>
+    <dgm:txPr/>
+    <dgm:style>
+      <a:lnRef idx="1">
+        <a:scrgbClr r="0" g="0" b="0"/>
+      </a:lnRef>
+      <a:fillRef idx="1">
+        <a:scrgbClr r="0" g="0" b="0"/>
+      </a:fillRef>
+      <a:effectRef idx="2">
+        <a:scrgbClr r="0" g="0" b="0"/>
+      </a:effectRef>
+      <a:fontRef idx="minor"/>
+    </dgm:style>
+  </dgm:styleLbl>
+  <dgm:styleLbl name="solidFgAcc1">
+    <dgm:scene3d>
+      <a:camera prst="orthographicFront"/>
+      <a:lightRig rig="threePt" dir="t"/>
+    </dgm:scene3d>
+    <dgm:sp3d z="152400" prstMaterial="plastic">
+      <a:bevelT w="25400" h="25400"/>
+      <a:bevelB w="25400" h="25400"/>
+    </dgm:sp3d>
+    <dgm:txPr/>
+    <dgm:style>
+      <a:lnRef idx="1">
+        <a:scrgbClr r="0" g="0" b="0"/>
+      </a:lnRef>
+      <a:fillRef idx="1">
+        <a:scrgbClr r="0" g="0" b="0"/>
+      </a:fillRef>
+      <a:effectRef idx="2">
+        <a:scrgbClr r="0" g="0" b="0"/>
+      </a:effectRef>
+      <a:fontRef idx="minor"/>
+    </dgm:style>
+  </dgm:styleLbl>
+  <dgm:styleLbl name="solidAlignAcc1">
+    <dgm:scene3d>
+      <a:camera prst="orthographicFront"/>
+      <a:lightRig rig="threePt" dir="t"/>
+    </dgm:scene3d>
+    <dgm:sp3d prstMaterial="plastic">
+      <a:bevelT w="25400" h="25400"/>
+      <a:bevelB w="25400" h="25400"/>
+    </dgm:sp3d>
+    <dgm:txPr/>
+    <dgm:style>
+      <a:lnRef idx="1">
+        <a:scrgbClr r="0" g="0" b="0"/>
+      </a:lnRef>
+      <a:fillRef idx="1">
+        <a:scrgbClr r="0" g="0" b="0"/>
+      </a:fillRef>
+      <a:effectRef idx="2">
+        <a:scrgbClr r="0" g="0" b="0"/>
+      </a:effectRef>
+      <a:fontRef idx="minor"/>
+    </dgm:style>
+  </dgm:styleLbl>
+  <dgm:styleLbl name="solidBgAcc1">
+    <dgm:scene3d>
+      <a:camera prst="orthographicFront"/>
+      <a:lightRig rig="threePt" dir="t"/>
+    </dgm:scene3d>
+    <dgm:sp3d z="-152400" prstMaterial="plastic">
+      <a:bevelT w="25400" h="25400"/>
+      <a:bevelB w="25400" h="25400"/>
+    </dgm:sp3d>
+    <dgm:txPr/>
+    <dgm:style>
+      <a:lnRef idx="1">
+        <a:scrgbClr r="0" g="0" b="0"/>
+      </a:lnRef>
+      <a:fillRef idx="1">
+        <a:scrgbClr r="0" g="0" b="0"/>
+      </a:fillRef>
+      <a:effectRef idx="2">
+        <a:scrgbClr r="0" g="0" b="0"/>
+      </a:effectRef>
+      <a:fontRef idx="minor"/>
+    </dgm:style>
+  </dgm:styleLbl>
+  <dgm:styleLbl name="fgAccFollowNode1">
+    <dgm:scene3d>
+      <a:camera prst="orthographicFront"/>
+      <a:lightRig rig="threePt" dir="t"/>
+    </dgm:scene3d>
+    <dgm:sp3d z="50080" prstMaterial="plastic">
+      <a:bevelT w="25400" h="25400"/>
+      <a:bevelB w="25400" h="25400"/>
+    </dgm:sp3d>
+    <dgm:txPr/>
+    <dgm:style>
+      <a:lnRef idx="0">
+        <a:scrgbClr r="0" g="0" b="0"/>
+      </a:lnRef>
+      <a:fillRef idx="1">
+        <a:scrgbClr r="0" g="0" b="0"/>
+      </a:fillRef>
+      <a:effectRef idx="2">
+        <a:scrgbClr r="0" g="0" b="0"/>
+      </a:effectRef>
+      <a:fontRef idx="minor"/>
+    </dgm:style>
+  </dgm:styleLbl>
+  <dgm:styleLbl name="alignAccFollowNode1">
+    <dgm:scene3d>
+      <a:camera prst="orthographicFront"/>
+      <a:lightRig rig="threePt" dir="t"/>
+    </dgm:scene3d>
+    <dgm:sp3d prstMaterial="plastic">
+      <a:bevelT w="25400" h="25400"/>
+      <a:bevelB w="25400" h="25400"/>
+    </dgm:sp3d>
+    <dgm:txPr/>
+    <dgm:style>
+      <a:lnRef idx="0">
+        <a:scrgbClr r="0" g="0" b="0"/>
+      </a:lnRef>
+      <a:fillRef idx="1">
+        <a:scrgbClr r="0" g="0" b="0"/>
+      </a:fillRef>
+      <a:effectRef idx="2">
+        <a:scrgbClr r="0" g="0" b="0"/>
+      </a:effectRef>
+      <a:fontRef idx="minor"/>
+    </dgm:style>
+  </dgm:styleLbl>
+  <dgm:styleLbl name="bgAccFollowNode1">
+    <dgm:scene3d>
+      <a:camera prst="orthographicFront"/>
+      <a:lightRig rig="threePt" dir="t"/>
+    </dgm:scene3d>
+    <dgm:sp3d z="-152400" prstMaterial="plastic">
+      <a:bevelT w="25400" h="25400"/>
+      <a:bevelB w="25400" h="25400"/>
+    </dgm:sp3d>
+    <dgm:txPr/>
+    <dgm:style>
+      <a:lnRef idx="0">
+        <a:scrgbClr r="0" g="0" b="0"/>
+      </a:lnRef>
+      <a:fillRef idx="1">
+        <a:scrgbClr r="0" g="0" b="0"/>
+      </a:fillRef>
+      <a:effectRef idx="2">
+        <a:scrgbClr r="0" g="0" b="0"/>
+      </a:effectRef>
+      <a:fontRef idx="minor"/>
+    </dgm:style>
+  </dgm:styleLbl>
+  <dgm:styleLbl name="fgAcc0">
+    <dgm:scene3d>
+      <a:camera prst="orthographicFront"/>
+      <a:lightRig rig="threePt" dir="t"/>
+    </dgm:scene3d>
+    <dgm:sp3d z="50080" prstMaterial="plastic">
+      <a:bevelT w="25400" h="25400"/>
+      <a:bevelB w="25400" h="25400"/>
+    </dgm:sp3d>
+    <dgm:txPr/>
+    <dgm:style>
+      <a:lnRef idx="1">
+        <a:scrgbClr r="0" g="0" b="0"/>
+      </a:lnRef>
+      <a:fillRef idx="1">
+        <a:scrgbClr r="0" g="0" b="0"/>
+      </a:fillRef>
+      <a:effectRef idx="0">
+        <a:scrgbClr r="0" g="0" b="0"/>
+      </a:effectRef>
+      <a:fontRef idx="minor"/>
+    </dgm:style>
+  </dgm:styleLbl>
+  <dgm:styleLbl name="fgAcc2">
+    <dgm:scene3d>
+      <a:camera prst="orthographicFront"/>
+      <a:lightRig rig="threePt" dir="t"/>
+    </dgm:scene3d>
+    <dgm:sp3d z="50080" prstMaterial="plastic">
+      <a:bevelT w="25400" h="25400"/>
+      <a:bevelB w="25400" h="25400"/>
+    </dgm:sp3d>
+    <dgm:txPr/>
+    <dgm:style>
+      <a:lnRef idx="1">
+        <a:scrgbClr r="0" g="0" b="0"/>
+      </a:lnRef>
+      <a:fillRef idx="1">
+        <a:scrgbClr r="0" g="0" b="0"/>
+      </a:fillRef>
+      <a:effectRef idx="0">
+        <a:scrgbClr r="0" g="0" b="0"/>
+      </a:effectRef>
+      <a:fontRef idx="minor"/>
+    </dgm:style>
+  </dgm:styleLbl>
+  <dgm:styleLbl name="fgAcc3">
+    <dgm:scene3d>
+      <a:camera prst="orthographicFront"/>
+      <a:lightRig rig="threePt" dir="t"/>
+    </dgm:scene3d>
+    <dgm:sp3d z="50080" prstMaterial="plastic">
+      <a:bevelT w="25400" h="25400"/>
+      <a:bevelB w="25400" h="25400"/>
+    </dgm:sp3d>
+    <dgm:txPr/>
+    <dgm:style>
+      <a:lnRef idx="1">
+        <a:scrgbClr r="0" g="0" b="0"/>
+      </a:lnRef>
+      <a:fillRef idx="1">
+        <a:scrgbClr r="0" g="0" b="0"/>
+      </a:fillRef>
+      <a:effectRef idx="0">
+        <a:scrgbClr r="0" g="0" b="0"/>
+      </a:effectRef>
+      <a:fontRef idx="minor"/>
+    </dgm:style>
+  </dgm:styleLbl>
+  <dgm:styleLbl name="fgAcc4">
+    <dgm:scene3d>
+      <a:camera prst="orthographicFront"/>
+      <a:lightRig rig="threePt" dir="t"/>
+    </dgm:scene3d>
+    <dgm:sp3d z="50080" prstMaterial="plastic">
+      <a:bevelT w="25400" h="25400"/>
+      <a:bevelB w="25400" h="25400"/>
+    </dgm:sp3d>
+    <dgm:txPr/>
+    <dgm:style>
+      <a:lnRef idx="1">
+        <a:scrgbClr r="0" g="0" b="0"/>
+      </a:lnRef>
+      <a:fillRef idx="1">
+        <a:scrgbClr r="0" g="0" b="0"/>
+      </a:fillRef>
+      <a:effectRef idx="0">
+        <a:scrgbClr r="0" g="0" b="0"/>
+      </a:effectRef>
+      <a:fontRef idx="minor"/>
+    </dgm:style>
+  </dgm:styleLbl>
+  <dgm:styleLbl name="bgShp">
+    <dgm:scene3d>
+      <a:camera prst="orthographicFront"/>
+      <a:lightRig rig="threePt" dir="t"/>
+    </dgm:scene3d>
+    <dgm:sp3d z="-152400" prstMaterial="plastic">
+      <a:bevelT w="25400" h="25400"/>
+      <a:bevelB w="25400" h="25400"/>
+    </dgm:sp3d>
+    <dgm:txPr/>
+    <dgm:style>
+      <a:lnRef idx="0">
+        <a:scrgbClr r="0" g="0" b="0"/>
+      </a:lnRef>
+      <a:fillRef idx="1">
+        <a:scrgbClr r="0" g="0" b="0"/>
+      </a:fillRef>
+      <a:effectRef idx="0">
+        <a:scrgbClr r="0" g="0" b="0"/>
+      </a:effectRef>
+      <a:fontRef idx="minor"/>
+    </dgm:style>
+  </dgm:styleLbl>
+  <dgm:styleLbl name="dkBgShp">
+    <dgm:scene3d>
+      <a:camera prst="orthographicFront"/>
+      <a:lightRig rig="threePt" dir="t"/>
+    </dgm:scene3d>
+    <dgm:sp3d prstMaterial="plastic">
+      <a:bevelT w="50800" h="50800"/>
+      <a:bevelB w="50800" h="50800"/>
+    </dgm:sp3d>
+    <dgm:txPr/>
+    <dgm:style>
+      <a:lnRef idx="0">
+        <a:scrgbClr r="0" g="0" b="0"/>
+      </a:lnRef>
+      <a:fillRef idx="1">
+        <a:scrgbClr r="0" g="0" b="0"/>
+      </a:fillRef>
+      <a:effectRef idx="2">
+        <a:scrgbClr r="0" g="0" b="0"/>
+      </a:effectRef>
+      <a:fontRef idx="minor"/>
+    </dgm:style>
+  </dgm:styleLbl>
+  <dgm:styleLbl name="trBgShp">
+    <dgm:scene3d>
+      <a:camera prst="orthographicFront"/>
+      <a:lightRig rig="threePt" dir="t"/>
+    </dgm:scene3d>
+    <dgm:sp3d z="-10400" extrusionH="12700" prstMaterial="plastic"/>
+    <dgm:txPr/>
+    <dgm:style>
+      <a:lnRef idx="0">
+        <a:scrgbClr r="0" g="0" b="0"/>
+      </a:lnRef>
+      <a:fillRef idx="1">
+        <a:scrgbClr r="0" g="0" b="0"/>
+      </a:fillRef>
+      <a:effectRef idx="0">
+        <a:scrgbClr r="0" g="0" b="0"/>
+      </a:effectRef>
+      <a:fontRef idx="minor"/>
+    </dgm:style>
+  </dgm:styleLbl>
+  <dgm:styleLbl name="fgShp">
+    <dgm:scene3d>
+      <a:camera prst="orthographicFront"/>
+      <a:lightRig rig="threePt" dir="t"/>
+    </dgm:scene3d>
+    <dgm:sp3d z="50080" prstMaterial="plastic">
+      <a:bevelT w="50800" h="50800"/>
+      <a:bevelB w="50800" h="50800"/>
+    </dgm:sp3d>
+    <dgm:txPr/>
+    <dgm:style>
+      <a:lnRef idx="0">
+        <a:scrgbClr r="0" g="0" b="0"/>
+      </a:lnRef>
+      <a:fillRef idx="1">
+        <a:scrgbClr r="0" g="0" b="0"/>
+      </a:fillRef>
+      <a:effectRef idx="2">
+        <a:scrgbClr r="0" g="0" b="0"/>
+      </a:effectRef>
+      <a:fontRef idx="minor"/>
+    </dgm:style>
+  </dgm:styleLbl>
+  <dgm:styleLbl name="revTx">
+    <dgm:scene3d>
+      <a:camera prst="orthographicFront"/>
+      <a:lightRig rig="threePt" dir="t"/>
+    </dgm:scene3d>
+    <dgm:sp3d/>
+    <dgm:txPr/>
+    <dgm:style>
+      <a:lnRef idx="0">
+        <a:scrgbClr r="0" g="0" b="0"/>
+      </a:lnRef>
+      <a:fillRef idx="1">
+        <a:scrgbClr r="0" g="0" b="0"/>
+      </a:fillRef>
+      <a:effectRef idx="0">
+        <a:scrgbClr r="0" g="0" b="0"/>
+      </a:effectRef>
+      <a:fontRef idx="minor"/>
+    </dgm:style>
+  </dgm:styleLbl>
+</dgm:styleDef>
 </file>
 
 <file path=ppt/notesMasters/notesMaster1.xml><?xml version="1.0" encoding="utf-8"?>
@@ -5873,6 +9042,251 @@
   <p:cSld>
     <p:spTree>
       <p:nvGrpSpPr>
+        <p:cNvPr id="1" name="Shape 182"/>
+        <p:cNvGrpSpPr/>
+        <p:nvPr/>
+      </p:nvGrpSpPr>
+      <p:grpSpPr>
+        <a:xfrm>
+          <a:off x="0" y="0"/>
+          <a:ext cx="0" cy="0"/>
+          <a:chOff x="0" y="0"/>
+          <a:chExt cx="0" cy="0"/>
+        </a:xfrm>
+      </p:grpSpPr>
+      <p:sp>
+        <p:nvSpPr>
+          <p:cNvPr id="183" name="Shape 183"/>
+          <p:cNvSpPr txBox="1">
+            <a:spLocks noGrp="1"/>
+          </p:cNvSpPr>
+          <p:nvPr>
+            <p:ph type="title"/>
+          </p:nvPr>
+        </p:nvSpPr>
+        <p:spPr>
+          <a:xfrm>
+            <a:off x="1067087" y="912850"/>
+            <a:ext cx="5972100" cy="635999"/>
+          </a:xfrm>
+          <a:prstGeom prst="rect">
+            <a:avLst/>
+          </a:prstGeom>
+        </p:spPr>
+        <p:txBody>
+          <a:bodyPr lIns="91425" tIns="91425" rIns="91425" bIns="91425" anchor="b" anchorCtr="0">
+            <a:noAutofit/>
+          </a:bodyPr>
+          <a:lstStyle/>
+          <a:p>
+            <a:pPr lvl="0">
+              <a:spcBef>
+                <a:spcPts val="0"/>
+              </a:spcBef>
+              <a:buNone/>
+            </a:pPr>
+            <a:r>
+              <a:rPr lang="en" dirty="0" smtClean="0"/>
+              <a:t>Session review</a:t>
+            </a:r>
+            <a:endParaRPr lang="en" dirty="0"/>
+          </a:p>
+        </p:txBody>
+      </p:sp>
+      <p:sp>
+        <p:nvSpPr>
+          <p:cNvPr id="184" name="Shape 184"/>
+          <p:cNvSpPr txBox="1">
+            <a:spLocks noGrp="1"/>
+          </p:cNvSpPr>
+          <p:nvPr>
+            <p:ph type="body" idx="1"/>
+          </p:nvPr>
+        </p:nvSpPr>
+        <p:spPr>
+          <a:xfrm>
+            <a:off x="1067087" y="1650547"/>
+            <a:ext cx="5972100" cy="2764500"/>
+          </a:xfrm>
+          <a:prstGeom prst="rect">
+            <a:avLst/>
+          </a:prstGeom>
+        </p:spPr>
+        <p:txBody>
+          <a:bodyPr lIns="91425" tIns="91425" rIns="91425" bIns="91425" anchor="t" anchorCtr="0">
+            <a:noAutofit/>
+          </a:bodyPr>
+          <a:lstStyle/>
+          <a:p>
+            <a:pPr marL="457200" lvl="0" indent="-228600" rtl="0">
+              <a:spcBef>
+                <a:spcPts val="0"/>
+              </a:spcBef>
+            </a:pPr>
+            <a:r>
+              <a:rPr lang="en" dirty="0" smtClean="0"/>
+              <a:t>You learned multiple conditionals</a:t>
+            </a:r>
+            <a:endParaRPr lang="en" dirty="0" smtClean="0">
+              <a:sym typeface="Wingdings" pitchFamily="2" charset="2"/>
+            </a:endParaRPr>
+          </a:p>
+          <a:p>
+            <a:pPr marL="457200" lvl="0" indent="-228600" rtl="0">
+              <a:spcBef>
+                <a:spcPts val="0"/>
+              </a:spcBef>
+            </a:pPr>
+            <a:r>
+              <a:rPr lang="en" dirty="0" smtClean="0">
+                <a:sym typeface="Wingdings" pitchFamily="2" charset="2"/>
+              </a:rPr>
+              <a:t>You learned implicit casting</a:t>
+            </a:r>
+            <a:endParaRPr lang="en" dirty="0" smtClean="0"/>
+          </a:p>
+          <a:p>
+            <a:pPr marL="457200" lvl="0" indent="-228600" rtl="0">
+              <a:spcBef>
+                <a:spcPts val="0"/>
+              </a:spcBef>
+            </a:pPr>
+            <a:r>
+              <a:rPr lang="en-US" dirty="0" smtClean="0"/>
+              <a:t>You learned String splitting</a:t>
+            </a:r>
+          </a:p>
+          <a:p>
+            <a:pPr marL="457200" lvl="0" indent="-228600" rtl="0">
+              <a:spcBef>
+                <a:spcPts val="0"/>
+              </a:spcBef>
+            </a:pPr>
+            <a:r>
+              <a:rPr lang="en-US" dirty="0" smtClean="0"/>
+              <a:t>You learned how to debug</a:t>
+            </a:r>
+          </a:p>
+          <a:p>
+            <a:pPr marL="457200" lvl="0" indent="-228600" rtl="0">
+              <a:spcBef>
+                <a:spcPts val="0"/>
+              </a:spcBef>
+            </a:pPr>
+            <a:r>
+              <a:rPr lang="en" dirty="0" smtClean="0"/>
+              <a:t>You should master primitives, conditionals and repetitive functions</a:t>
+            </a:r>
+          </a:p>
+          <a:p>
+            <a:pPr marL="457200" lvl="0" indent="-228600" rtl="0">
+              <a:spcBef>
+                <a:spcPts val="0"/>
+              </a:spcBef>
+            </a:pPr>
+            <a:r>
+              <a:rPr lang="en" dirty="0" smtClean="0"/>
+              <a:t>You worked on several examples</a:t>
+            </a:r>
+          </a:p>
+          <a:p>
+            <a:pPr marL="457200" lvl="0" indent="-228600" rtl="0">
+              <a:spcBef>
+                <a:spcPts val="0"/>
+              </a:spcBef>
+            </a:pPr>
+            <a:r>
+              <a:rPr lang="en" dirty="0" smtClean="0"/>
+              <a:t>GOOD JOB! </a:t>
+            </a:r>
+            <a:r>
+              <a:rPr lang="en" dirty="0" smtClean="0">
+                <a:sym typeface="Wingdings" panose="05000000000000000000" pitchFamily="2" charset="2"/>
+              </a:rPr>
+              <a:t></a:t>
+            </a:r>
+            <a:endParaRPr lang="en" dirty="0" smtClean="0"/>
+          </a:p>
+          <a:p>
+            <a:pPr lvl="0" rtl="0">
+              <a:spcBef>
+                <a:spcPts val="0"/>
+              </a:spcBef>
+              <a:buNone/>
+            </a:pPr>
+            <a:endParaRPr dirty="0"/>
+          </a:p>
+        </p:txBody>
+      </p:sp>
+      <p:pic>
+        <p:nvPicPr>
+          <p:cNvPr id="4" name="Picture 2" descr="C:\Users\Vlad Butnaru\Desktop\logo1.png"/>
+          <p:cNvPicPr>
+            <a:picLocks noChangeAspect="1" noChangeArrowheads="1"/>
+          </p:cNvPicPr>
+          <p:nvPr/>
+        </p:nvPicPr>
+        <p:blipFill>
+          <a:blip r:embed="rId3">
+            <a:extLst>
+              <a:ext uri="{28A0092B-C50C-407E-A947-70E740481C1C}">
+                <a14:useLocalDpi xmlns:a14="http://schemas.microsoft.com/office/drawing/2010/main" val="0"/>
+              </a:ext>
+            </a:extLst>
+          </a:blip>
+          <a:srcRect/>
+          <a:stretch>
+            <a:fillRect/>
+          </a:stretch>
+        </p:blipFill>
+        <p:spPr bwMode="auto">
+          <a:xfrm>
+            <a:off x="7620000" y="4538525"/>
+            <a:ext cx="1466850" cy="580751"/>
+          </a:xfrm>
+          <a:prstGeom prst="rect">
+            <a:avLst/>
+          </a:prstGeom>
+          <a:noFill/>
+          <a:extLst>
+            <a:ext uri="{909E8E84-426E-40DD-AFC4-6F175D3DCCD1}">
+              <a14:hiddenFill xmlns:a14="http://schemas.microsoft.com/office/drawing/2010/main">
+                <a:solidFill>
+                  <a:srgbClr val="FFFFFF"/>
+                </a:solidFill>
+              </a14:hiddenFill>
+            </a:ext>
+          </a:extLst>
+        </p:spPr>
+      </p:pic>
+    </p:spTree>
+    <p:extLst>
+      <p:ext uri="{BB962C8B-B14F-4D97-AF65-F5344CB8AC3E}">
+        <p14:creationId xmlns:p14="http://schemas.microsoft.com/office/powerpoint/2010/main" val="2186683413"/>
+      </p:ext>
+    </p:extLst>
+  </p:cSld>
+  <p:clrMapOvr>
+    <a:masterClrMapping/>
+  </p:clrMapOvr>
+  <p:transition spd="slow">
+    <p:cut/>
+  </p:transition>
+  <p:timing>
+    <p:tnLst>
+      <p:par>
+        <p:cTn id="1" dur="indefinite" restart="never" nodeType="tmRoot"/>
+      </p:par>
+    </p:tnLst>
+  </p:timing>
+</p:sld>
+</file>
+
+<file path=ppt/slides/slide11.xml><?xml version="1.0" encoding="utf-8"?>
+<p:sld xmlns:a="http://schemas.openxmlformats.org/drawingml/2006/main" xmlns:r="http://schemas.openxmlformats.org/officeDocument/2006/relationships" xmlns:p="http://schemas.openxmlformats.org/presentationml/2006/main">
+  <p:cSld>
+    <p:spTree>
+      <p:nvGrpSpPr>
         <p:cNvPr id="1" name="Shape 336"/>
         <p:cNvGrpSpPr/>
         <p:nvPr/>
@@ -7553,7 +10967,7 @@
 </p:sld>
 </file>
 
-<file path=ppt/slides/slide11.xml><?xml version="1.0" encoding="utf-8"?>
+<file path=ppt/slides/slide12.xml><?xml version="1.0" encoding="utf-8"?>
 <p:sld xmlns:a="http://schemas.openxmlformats.org/drawingml/2006/main" xmlns:r="http://schemas.openxmlformats.org/officeDocument/2006/relationships" xmlns:p="http://schemas.openxmlformats.org/presentationml/2006/main">
   <p:cSld>
     <p:spTree>
@@ -8042,17 +11456,7 @@
                 <a:latin typeface="Hind" panose="020B0604020202020204" charset="0"/>
                 <a:cs typeface="Hind" panose="020B0604020202020204" charset="0"/>
               </a:rPr>
-              <a:t>Implicit </a:t>
-            </a:r>
-            <a:r>
-              <a:rPr lang="en-US" sz="3200" dirty="0" smtClean="0">
-                <a:solidFill>
-                  <a:schemeClr val="bg1"/>
-                </a:solidFill>
-                <a:latin typeface="Hind" panose="020B0604020202020204" charset="0"/>
-                <a:cs typeface="Hind" panose="020B0604020202020204" charset="0"/>
-              </a:rPr>
-              <a:t>casts</a:t>
+              <a:t>Implicit casts</a:t>
             </a:r>
           </a:p>
           <a:p>
@@ -8069,13 +11473,6 @@
               </a:rPr>
               <a:t>Debugging</a:t>
             </a:r>
-            <a:endParaRPr lang="en-US" sz="3200" dirty="0" smtClean="0">
-              <a:solidFill>
-                <a:schemeClr val="bg1"/>
-              </a:solidFill>
-              <a:latin typeface="Hind" panose="020B0604020202020204" charset="0"/>
-              <a:cs typeface="Hind" panose="020B0604020202020204" charset="0"/>
-            </a:endParaRPr>
           </a:p>
           <a:p>
             <a:pPr marL="342900" indent="-342900">
@@ -8192,6 +11589,136 @@
           <a:chExt cx="0" cy="0"/>
         </a:xfrm>
       </p:grpSpPr>
+      <p:graphicFrame>
+        <p:nvGraphicFramePr>
+          <p:cNvPr id="4" name="Diagram 3"/>
+          <p:cNvGraphicFramePr/>
+          <p:nvPr>
+            <p:extLst>
+              <p:ext uri="{D42A27DB-BD31-4B8C-83A1-F6EECF244321}">
+                <p14:modId xmlns:p14="http://schemas.microsoft.com/office/powerpoint/2010/main" val="3027253814"/>
+              </p:ext>
+            </p:extLst>
+          </p:nvPr>
+        </p:nvGraphicFramePr>
+        <p:xfrm>
+          <a:off x="533400" y="590550"/>
+          <a:ext cx="7543800" cy="4064000"/>
+        </p:xfrm>
+        <a:graphic>
+          <a:graphicData uri="http://schemas.openxmlformats.org/drawingml/2006/diagram">
+            <dgm:relIds xmlns:dgm="http://schemas.openxmlformats.org/drawingml/2006/diagram" xmlns:r="http://schemas.openxmlformats.org/officeDocument/2006/relationships" r:dm="rId2" r:lo="rId3" r:qs="rId4" r:cs="rId5"/>
+          </a:graphicData>
+        </a:graphic>
+      </p:graphicFrame>
+      <p:sp>
+        <p:nvSpPr>
+          <p:cNvPr id="5" name="Down Arrow 4"/>
+          <p:cNvSpPr/>
+          <p:nvPr/>
+        </p:nvSpPr>
+        <p:spPr>
+          <a:xfrm rot="19145353">
+            <a:off x="2242875" y="1214848"/>
+            <a:ext cx="533400" cy="685800"/>
+          </a:xfrm>
+          <a:prstGeom prst="downArrow">
+            <a:avLst/>
+          </a:prstGeom>
+        </p:spPr>
+        <p:style>
+          <a:lnRef idx="2">
+            <a:schemeClr val="accent1">
+              <a:shade val="50000"/>
+            </a:schemeClr>
+          </a:lnRef>
+          <a:fillRef idx="1">
+            <a:schemeClr val="accent1"/>
+          </a:fillRef>
+          <a:effectRef idx="0">
+            <a:schemeClr val="accent1"/>
+          </a:effectRef>
+          <a:fontRef idx="minor">
+            <a:schemeClr val="lt1"/>
+          </a:fontRef>
+        </p:style>
+        <p:txBody>
+          <a:bodyPr rtlCol="0" anchor="ctr"/>
+          <a:lstStyle/>
+          <a:p>
+            <a:pPr algn="ctr"/>
+            <a:endParaRPr lang="en-US"/>
+          </a:p>
+        </p:txBody>
+      </p:sp>
+      <p:sp>
+        <p:nvSpPr>
+          <p:cNvPr id="6" name="TextBox 5"/>
+          <p:cNvSpPr txBox="1"/>
+          <p:nvPr/>
+        </p:nvSpPr>
+        <p:spPr>
+          <a:xfrm rot="19043227">
+            <a:off x="1324281" y="939283"/>
+            <a:ext cx="1518364" cy="369332"/>
+          </a:xfrm>
+          <a:prstGeom prst="rect">
+            <a:avLst/>
+          </a:prstGeom>
+          <a:noFill/>
+        </p:spPr>
+        <p:txBody>
+          <a:bodyPr wrap="none" rtlCol="0">
+            <a:spAutoFit/>
+          </a:bodyPr>
+          <a:lstStyle/>
+          <a:p>
+            <a:r>
+              <a:rPr lang="en-US" sz="1800" dirty="0" smtClean="0">
+                <a:solidFill>
+                  <a:schemeClr val="bg1"/>
+                </a:solidFill>
+              </a:rPr>
+              <a:t>You are here</a:t>
+            </a:r>
+            <a:endParaRPr lang="en-US" sz="1800" dirty="0">
+              <a:solidFill>
+                <a:schemeClr val="bg1"/>
+              </a:solidFill>
+            </a:endParaRPr>
+          </a:p>
+        </p:txBody>
+      </p:sp>
+    </p:spTree>
+    <p:extLst>
+      <p:ext uri="{BB962C8B-B14F-4D97-AF65-F5344CB8AC3E}">
+        <p14:creationId xmlns:p14="http://schemas.microsoft.com/office/powerpoint/2010/main" val="911370500"/>
+      </p:ext>
+    </p:extLst>
+  </p:cSld>
+  <p:clrMapOvr>
+    <a:masterClrMapping/>
+  </p:clrMapOvr>
+</p:sld>
+</file>
+
+<file path=ppt/slides/slide5.xml><?xml version="1.0" encoding="utf-8"?>
+<p:sld xmlns:a="http://schemas.openxmlformats.org/drawingml/2006/main" xmlns:r="http://schemas.openxmlformats.org/officeDocument/2006/relationships" xmlns:p="http://schemas.openxmlformats.org/presentationml/2006/main">
+  <p:cSld>
+    <p:spTree>
+      <p:nvGrpSpPr>
+        <p:cNvPr id="1" name=""/>
+        <p:cNvGrpSpPr/>
+        <p:nvPr/>
+      </p:nvGrpSpPr>
+      <p:grpSpPr>
+        <a:xfrm>
+          <a:off x="0" y="0"/>
+          <a:ext cx="0" cy="0"/>
+          <a:chOff x="0" y="0"/>
+          <a:chExt cx="0" cy="0"/>
+        </a:xfrm>
+      </p:grpSpPr>
       <p:sp>
         <p:nvSpPr>
           <p:cNvPr id="2" name="Title 1"/>
@@ -8238,6 +11765,47 @@
           </a:p>
         </p:txBody>
       </p:sp>
+      <p:pic>
+        <p:nvPicPr>
+          <p:cNvPr id="4" name="Picture 2" descr="C:\Users\Vlad Butnaru\Desktop\logo1.png"/>
+          <p:cNvPicPr>
+            <a:picLocks noChangeAspect="1" noChangeArrowheads="1"/>
+          </p:cNvPicPr>
+          <p:nvPr/>
+        </p:nvPicPr>
+        <p:blipFill>
+          <a:blip r:embed="rId2">
+            <a:extLst>
+              <a:ext uri="{28A0092B-C50C-407E-A947-70E740481C1C}">
+                <a14:useLocalDpi xmlns:a14="http://schemas.microsoft.com/office/drawing/2010/main" val="0"/>
+              </a:ext>
+            </a:extLst>
+          </a:blip>
+          <a:srcRect/>
+          <a:stretch>
+            <a:fillRect/>
+          </a:stretch>
+        </p:blipFill>
+        <p:spPr bwMode="auto">
+          <a:xfrm>
+            <a:off x="7620000" y="4538525"/>
+            <a:ext cx="1466850" cy="580751"/>
+          </a:xfrm>
+          <a:prstGeom prst="rect">
+            <a:avLst/>
+          </a:prstGeom>
+          <a:noFill/>
+          <a:extLst>
+            <a:ext uri="{909E8E84-426E-40DD-AFC4-6F175D3DCCD1}">
+              <a14:hiddenFill xmlns:a14="http://schemas.microsoft.com/office/drawing/2010/main">
+                <a:solidFill>
+                  <a:srgbClr val="FFFFFF"/>
+                </a:solidFill>
+              </a14:hiddenFill>
+            </a:ext>
+          </a:extLst>
+        </p:spPr>
+      </p:pic>
     </p:spTree>
     <p:extLst>
       <p:ext uri="{BB962C8B-B14F-4D97-AF65-F5344CB8AC3E}">
@@ -8251,7 +11819,7 @@
 </p:sld>
 </file>
 
-<file path=ppt/slides/slide5.xml><?xml version="1.0" encoding="utf-8"?>
+<file path=ppt/slides/slide6.xml><?xml version="1.0" encoding="utf-8"?>
 <p:sld xmlns:a="http://schemas.openxmlformats.org/drawingml/2006/main" xmlns:r="http://schemas.openxmlformats.org/officeDocument/2006/relationships" xmlns:p="http://schemas.openxmlformats.org/presentationml/2006/main">
   <p:cSld>
     <p:spTree>
@@ -8384,7 +11952,7 @@
 </p:sld>
 </file>
 
-<file path=ppt/slides/slide6.xml><?xml version="1.0" encoding="utf-8"?>
+<file path=ppt/slides/slide7.xml><?xml version="1.0" encoding="utf-8"?>
 <p:sld xmlns:a="http://schemas.openxmlformats.org/drawingml/2006/main" xmlns:r="http://schemas.openxmlformats.org/officeDocument/2006/relationships" xmlns:p="http://schemas.openxmlformats.org/presentationml/2006/main">
   <p:cSld>
     <p:spTree>
@@ -8537,7 +12105,7 @@
 </p:sld>
 </file>
 
-<file path=ppt/slides/slide7.xml><?xml version="1.0" encoding="utf-8"?>
+<file path=ppt/slides/slide8.xml><?xml version="1.0" encoding="utf-8"?>
 <p:sld xmlns:a="http://schemas.openxmlformats.org/drawingml/2006/main" xmlns:r="http://schemas.openxmlformats.org/officeDocument/2006/relationships" xmlns:p="http://schemas.openxmlformats.org/presentationml/2006/main">
   <p:cSld>
     <p:spTree>
@@ -8684,7 +12252,7 @@
 </p:sld>
 </file>
 
-<file path=ppt/slides/slide8.xml><?xml version="1.0" encoding="utf-8"?>
+<file path=ppt/slides/slide9.xml><?xml version="1.0" encoding="utf-8"?>
 <p:sld xmlns:a="http://schemas.openxmlformats.org/drawingml/2006/main" xmlns:r="http://schemas.openxmlformats.org/officeDocument/2006/relationships" xmlns:p="http://schemas.openxmlformats.org/presentationml/2006/main">
   <p:cSld>
     <p:spTree>
@@ -8780,256 +12348,6 @@
   <p:clrMapOvr>
     <a:masterClrMapping/>
   </p:clrMapOvr>
-</p:sld>
-</file>
-
-<file path=ppt/slides/slide9.xml><?xml version="1.0" encoding="utf-8"?>
-<p:sld xmlns:a="http://schemas.openxmlformats.org/drawingml/2006/main" xmlns:r="http://schemas.openxmlformats.org/officeDocument/2006/relationships" xmlns:p="http://schemas.openxmlformats.org/presentationml/2006/main">
-  <p:cSld>
-    <p:spTree>
-      <p:nvGrpSpPr>
-        <p:cNvPr id="1" name="Shape 182"/>
-        <p:cNvGrpSpPr/>
-        <p:nvPr/>
-      </p:nvGrpSpPr>
-      <p:grpSpPr>
-        <a:xfrm>
-          <a:off x="0" y="0"/>
-          <a:ext cx="0" cy="0"/>
-          <a:chOff x="0" y="0"/>
-          <a:chExt cx="0" cy="0"/>
-        </a:xfrm>
-      </p:grpSpPr>
-      <p:sp>
-        <p:nvSpPr>
-          <p:cNvPr id="183" name="Shape 183"/>
-          <p:cNvSpPr txBox="1">
-            <a:spLocks noGrp="1"/>
-          </p:cNvSpPr>
-          <p:nvPr>
-            <p:ph type="title"/>
-          </p:nvPr>
-        </p:nvSpPr>
-        <p:spPr>
-          <a:xfrm>
-            <a:off x="1067087" y="912850"/>
-            <a:ext cx="5972100" cy="635999"/>
-          </a:xfrm>
-          <a:prstGeom prst="rect">
-            <a:avLst/>
-          </a:prstGeom>
-        </p:spPr>
-        <p:txBody>
-          <a:bodyPr lIns="91425" tIns="91425" rIns="91425" bIns="91425" anchor="b" anchorCtr="0">
-            <a:noAutofit/>
-          </a:bodyPr>
-          <a:lstStyle/>
-          <a:p>
-            <a:pPr lvl="0">
-              <a:spcBef>
-                <a:spcPts val="0"/>
-              </a:spcBef>
-              <a:buNone/>
-            </a:pPr>
-            <a:r>
-              <a:rPr lang="en" dirty="0" smtClean="0"/>
-              <a:t>Session review</a:t>
-            </a:r>
-            <a:endParaRPr lang="en" dirty="0"/>
-          </a:p>
-        </p:txBody>
-      </p:sp>
-      <p:sp>
-        <p:nvSpPr>
-          <p:cNvPr id="184" name="Shape 184"/>
-          <p:cNvSpPr txBox="1">
-            <a:spLocks noGrp="1"/>
-          </p:cNvSpPr>
-          <p:nvPr>
-            <p:ph type="body" idx="1"/>
-          </p:nvPr>
-        </p:nvSpPr>
-        <p:spPr>
-          <a:xfrm>
-            <a:off x="1067087" y="1650547"/>
-            <a:ext cx="5972100" cy="2764500"/>
-          </a:xfrm>
-          <a:prstGeom prst="rect">
-            <a:avLst/>
-          </a:prstGeom>
-        </p:spPr>
-        <p:txBody>
-          <a:bodyPr lIns="91425" tIns="91425" rIns="91425" bIns="91425" anchor="t" anchorCtr="0">
-            <a:noAutofit/>
-          </a:bodyPr>
-          <a:lstStyle/>
-          <a:p>
-            <a:pPr marL="457200" lvl="0" indent="-228600" rtl="0">
-              <a:spcBef>
-                <a:spcPts val="0"/>
-              </a:spcBef>
-            </a:pPr>
-            <a:r>
-              <a:rPr lang="en" dirty="0" smtClean="0"/>
-              <a:t>You learned multiple conditionals</a:t>
-            </a:r>
-            <a:endParaRPr lang="en" dirty="0" smtClean="0">
-              <a:sym typeface="Wingdings" pitchFamily="2" charset="2"/>
-            </a:endParaRPr>
-          </a:p>
-          <a:p>
-            <a:pPr marL="457200" lvl="0" indent="-228600" rtl="0">
-              <a:spcBef>
-                <a:spcPts val="0"/>
-              </a:spcBef>
-            </a:pPr>
-            <a:r>
-              <a:rPr lang="en" dirty="0" smtClean="0">
-                <a:sym typeface="Wingdings" pitchFamily="2" charset="2"/>
-              </a:rPr>
-              <a:t>You learned implicit casting</a:t>
-            </a:r>
-            <a:endParaRPr lang="en" dirty="0" smtClean="0"/>
-          </a:p>
-          <a:p>
-            <a:pPr marL="457200" lvl="0" indent="-228600" rtl="0">
-              <a:spcBef>
-                <a:spcPts val="0"/>
-              </a:spcBef>
-            </a:pPr>
-            <a:r>
-              <a:rPr lang="en-US" dirty="0" smtClean="0"/>
-              <a:t>You learned String </a:t>
-            </a:r>
-            <a:r>
-              <a:rPr lang="en-US" dirty="0" smtClean="0"/>
-              <a:t>splitting</a:t>
-            </a:r>
-          </a:p>
-          <a:p>
-            <a:pPr marL="457200" lvl="0" indent="-228600" rtl="0">
-              <a:spcBef>
-                <a:spcPts val="0"/>
-              </a:spcBef>
-            </a:pPr>
-            <a:r>
-              <a:rPr lang="en-US" dirty="0" smtClean="0"/>
-              <a:t>You learned how to debug</a:t>
-            </a:r>
-            <a:endParaRPr lang="en-US" dirty="0" smtClean="0"/>
-          </a:p>
-          <a:p>
-            <a:pPr marL="457200" lvl="0" indent="-228600" rtl="0">
-              <a:spcBef>
-                <a:spcPts val="0"/>
-              </a:spcBef>
-            </a:pPr>
-            <a:r>
-              <a:rPr lang="en" dirty="0" smtClean="0"/>
-              <a:t>You should master primitives, conditionals and repetitive functions</a:t>
-            </a:r>
-          </a:p>
-          <a:p>
-            <a:pPr marL="457200" lvl="0" indent="-228600" rtl="0">
-              <a:spcBef>
-                <a:spcPts val="0"/>
-              </a:spcBef>
-            </a:pPr>
-            <a:r>
-              <a:rPr lang="en" dirty="0" smtClean="0"/>
-              <a:t>You worked on several examples</a:t>
-            </a:r>
-          </a:p>
-          <a:p>
-            <a:pPr marL="457200" lvl="0" indent="-228600" rtl="0">
-              <a:spcBef>
-                <a:spcPts val="0"/>
-              </a:spcBef>
-            </a:pPr>
-            <a:r>
-              <a:rPr lang="en" dirty="0" smtClean="0"/>
-              <a:t>GOOD JOB! </a:t>
-            </a:r>
-            <a:r>
-              <a:rPr lang="en" dirty="0" smtClean="0">
-                <a:sym typeface="Wingdings" panose="05000000000000000000" pitchFamily="2" charset="2"/>
-              </a:rPr>
-              <a:t></a:t>
-            </a:r>
-            <a:endParaRPr lang="en" dirty="0" smtClean="0"/>
-          </a:p>
-          <a:p>
-            <a:pPr lvl="0" rtl="0">
-              <a:spcBef>
-                <a:spcPts val="0"/>
-              </a:spcBef>
-              <a:buNone/>
-            </a:pPr>
-            <a:endParaRPr dirty="0"/>
-          </a:p>
-        </p:txBody>
-      </p:sp>
-      <p:pic>
-        <p:nvPicPr>
-          <p:cNvPr id="4" name="Picture 2" descr="C:\Users\Vlad Butnaru\Desktop\logo1.png"/>
-          <p:cNvPicPr>
-            <a:picLocks noChangeAspect="1" noChangeArrowheads="1"/>
-          </p:cNvPicPr>
-          <p:nvPr/>
-        </p:nvPicPr>
-        <p:blipFill>
-          <a:blip r:embed="rId3">
-            <a:extLst>
-              <a:ext uri="{28A0092B-C50C-407E-A947-70E740481C1C}">
-                <a14:useLocalDpi xmlns:a14="http://schemas.microsoft.com/office/drawing/2010/main" val="0"/>
-              </a:ext>
-            </a:extLst>
-          </a:blip>
-          <a:srcRect/>
-          <a:stretch>
-            <a:fillRect/>
-          </a:stretch>
-        </p:blipFill>
-        <p:spPr bwMode="auto">
-          <a:xfrm>
-            <a:off x="7620000" y="4538525"/>
-            <a:ext cx="1466850" cy="580751"/>
-          </a:xfrm>
-          <a:prstGeom prst="rect">
-            <a:avLst/>
-          </a:prstGeom>
-          <a:noFill/>
-          <a:extLst>
-            <a:ext uri="{909E8E84-426E-40DD-AFC4-6F175D3DCCD1}">
-              <a14:hiddenFill xmlns:a14="http://schemas.microsoft.com/office/drawing/2010/main">
-                <a:solidFill>
-                  <a:srgbClr val="FFFFFF"/>
-                </a:solidFill>
-              </a14:hiddenFill>
-            </a:ext>
-          </a:extLst>
-        </p:spPr>
-      </p:pic>
-    </p:spTree>
-    <p:extLst>
-      <p:ext uri="{BB962C8B-B14F-4D97-AF65-F5344CB8AC3E}">
-        <p14:creationId xmlns:p14="http://schemas.microsoft.com/office/powerpoint/2010/main" val="2186683413"/>
-      </p:ext>
-    </p:extLst>
-  </p:cSld>
-  <p:clrMapOvr>
-    <a:masterClrMapping/>
-  </p:clrMapOvr>
-  <p:transition spd="slow">
-    <p:cut/>
-  </p:transition>
-  <p:timing>
-    <p:tnLst>
-      <p:par>
-        <p:cTn id="1" dur="indefinite" restart="never" nodeType="tmRoot"/>
-      </p:par>
-    </p:tnLst>
-  </p:timing>
 </p:sld>
 </file>
 
